--- a/scratch-leapmotion/instructions/nl/Scratch-opdracht_02.pptx
+++ b/scratch-leapmotion/instructions/nl/Scratch-opdracht_02.pptx
@@ -124,6 +124,22 @@
       </a:defRPr>
     </a:lvl9pPr>
   </p:defaultTextStyle>
+  <p:extLst>
+    <p:ext uri="{EFAFB233-063F-42B5-8137-9DF3F51BA10A}">
+      <p15:sldGuideLst xmlns:p15="http://schemas.microsoft.com/office/powerpoint/2012/main">
+        <p15:guide id="1" orient="horz" pos="2160">
+          <p15:clr>
+            <a:srgbClr val="A4A3A4"/>
+          </p15:clr>
+        </p15:guide>
+        <p15:guide id="2" pos="2880">
+          <p15:clr>
+            <a:srgbClr val="A4A3A4"/>
+          </p15:clr>
+        </p15:guide>
+      </p15:sldGuideLst>
+    </p:ext>
+  </p:extLst>
 </p:presentation>
 </file>
 
@@ -209,7 +225,7 @@
           <a:p>
             <a:fld id="{FD5240AD-D0E5-8743-BED0-4875EEDE37D1}" type="datetimeFigureOut">
               <a:rPr lang="en-US" smtClean="0"/>
-              <a:t>10/09/15</a:t>
+              <a:t>4/13/18</a:t>
             </a:fld>
             <a:endParaRPr lang="en-US"/>
           </a:p>
@@ -375,7 +391,7 @@
           <a:p>
             <a:fld id="{59F1AF83-5EC3-2645-9357-E8053F4E6264}" type="datetimeFigureOut">
               <a:rPr lang="en-US" smtClean="0"/>
-              <a:t>10/09/15</a:t>
+              <a:t>4/13/18</a:t>
             </a:fld>
             <a:endParaRPr lang="en-US"/>
           </a:p>
@@ -439,35 +455,35 @@
           <a:p>
             <a:pPr lvl="0"/>
             <a:r>
-              <a:rPr lang="nl-BE" smtClean="0"/>
+              <a:rPr lang="nl-BE"/>
               <a:t>Click to edit Master text styles</a:t>
             </a:r>
           </a:p>
           <a:p>
             <a:pPr lvl="1"/>
             <a:r>
-              <a:rPr lang="nl-BE" smtClean="0"/>
+              <a:rPr lang="nl-BE"/>
               <a:t>Second level</a:t>
             </a:r>
           </a:p>
           <a:p>
             <a:pPr lvl="2"/>
             <a:r>
-              <a:rPr lang="nl-BE" smtClean="0"/>
+              <a:rPr lang="nl-BE"/>
               <a:t>Third level</a:t>
             </a:r>
           </a:p>
           <a:p>
             <a:pPr lvl="3"/>
             <a:r>
-              <a:rPr lang="nl-BE" smtClean="0"/>
+              <a:rPr lang="nl-BE"/>
               <a:t>Fourth level</a:t>
             </a:r>
           </a:p>
           <a:p>
             <a:pPr lvl="4"/>
             <a:r>
-              <a:rPr lang="nl-BE" smtClean="0"/>
+              <a:rPr lang="nl-BE"/>
               <a:t>Fifth level</a:t>
             </a:r>
             <a:endParaRPr lang="en-US"/>
@@ -685,7 +701,7 @@
           <a:lstStyle/>
           <a:p>
             <a:r>
-              <a:rPr lang="nl-BE" smtClean="0"/>
+              <a:rPr lang="nl-BE"/>
               <a:t>Click to edit Master title style</a:t>
             </a:r>
             <a:endParaRPr lang="en-US"/>
@@ -807,7 +823,7 @@
           </a:lstStyle>
           <a:p>
             <a:r>
-              <a:rPr lang="nl-BE" smtClean="0"/>
+              <a:rPr lang="nl-BE"/>
               <a:t>Click to edit Master subtitle style</a:t>
             </a:r>
             <a:endParaRPr lang="en-US"/>
@@ -995,7 +1011,7 @@
           </a:lstStyle>
           <a:p>
             <a:r>
-              <a:rPr lang="nl-BE" sz="1800" dirty="0" smtClean="0">
+              <a:rPr lang="nl-BE" sz="1800" dirty="0">
                 <a:latin typeface="+mn-lt"/>
               </a:rPr>
               <a:t>www.devoxx4kids.com</a:t>
@@ -1061,35 +1077,35 @@
           <a:p>
             <a:pPr lvl="0"/>
             <a:r>
-              <a:rPr lang="nl-BE" dirty="0" smtClean="0"/>
+              <a:rPr lang="nl-BE" dirty="0"/>
               <a:t>Click to edit Master text styles</a:t>
             </a:r>
           </a:p>
           <a:p>
             <a:pPr lvl="1"/>
             <a:r>
-              <a:rPr lang="nl-BE" dirty="0" smtClean="0"/>
+              <a:rPr lang="nl-BE" dirty="0"/>
               <a:t>Second level</a:t>
             </a:r>
           </a:p>
           <a:p>
             <a:pPr lvl="2"/>
             <a:r>
-              <a:rPr lang="nl-BE" dirty="0" smtClean="0"/>
+              <a:rPr lang="nl-BE" dirty="0"/>
               <a:t>Third level</a:t>
             </a:r>
           </a:p>
           <a:p>
             <a:pPr lvl="3"/>
             <a:r>
-              <a:rPr lang="nl-BE" dirty="0" smtClean="0"/>
+              <a:rPr lang="nl-BE" dirty="0"/>
               <a:t>Fourth level</a:t>
             </a:r>
           </a:p>
           <a:p>
             <a:pPr lvl="4"/>
             <a:r>
-              <a:rPr lang="nl-BE" dirty="0" smtClean="0"/>
+              <a:rPr lang="nl-BE" dirty="0"/>
               <a:t>Fifth level</a:t>
             </a:r>
             <a:endParaRPr lang="en-US" dirty="0"/>
@@ -1181,7 +1197,7 @@
           <a:lstStyle/>
           <a:p>
             <a:r>
-              <a:rPr lang="nl-BE" dirty="0" smtClean="0"/>
+              <a:rPr lang="nl-BE" dirty="0"/>
               <a:t>Click to edit Master title style</a:t>
             </a:r>
             <a:endParaRPr lang="en-US" dirty="0"/>
@@ -1249,7 +1265,7 @@
           </a:lstStyle>
           <a:p>
             <a:r>
-              <a:rPr lang="nl-BE" sz="1800" dirty="0" smtClean="0">
+              <a:rPr lang="nl-BE" sz="1800" dirty="0">
                 <a:latin typeface="+mn-lt"/>
               </a:rPr>
               <a:t>www.devoxx4kids.com</a:t>
@@ -1314,7 +1330,7 @@
           <a:lstStyle/>
           <a:p>
             <a:r>
-              <a:rPr lang="nl-BE" dirty="0" smtClean="0"/>
+              <a:rPr lang="nl-BE" dirty="0"/>
               <a:t>Click to edit Master title style</a:t>
             </a:r>
             <a:endParaRPr lang="en-US" dirty="0"/>
@@ -1346,35 +1362,35 @@
           <a:p>
             <a:pPr lvl="0"/>
             <a:r>
-              <a:rPr lang="nl-BE" dirty="0" smtClean="0"/>
+              <a:rPr lang="nl-BE" dirty="0"/>
               <a:t>Click to edit Master text styles</a:t>
             </a:r>
           </a:p>
           <a:p>
             <a:pPr lvl="1"/>
             <a:r>
-              <a:rPr lang="nl-BE" dirty="0" smtClean="0"/>
+              <a:rPr lang="nl-BE" dirty="0"/>
               <a:t>Second level</a:t>
             </a:r>
           </a:p>
           <a:p>
             <a:pPr lvl="2"/>
             <a:r>
-              <a:rPr lang="nl-BE" dirty="0" smtClean="0"/>
+              <a:rPr lang="nl-BE" dirty="0"/>
               <a:t>Third level</a:t>
             </a:r>
           </a:p>
           <a:p>
             <a:pPr lvl="3"/>
             <a:r>
-              <a:rPr lang="nl-BE" dirty="0" smtClean="0"/>
+              <a:rPr lang="nl-BE" dirty="0"/>
               <a:t>Fourth level</a:t>
             </a:r>
           </a:p>
           <a:p>
             <a:pPr lvl="4"/>
             <a:r>
-              <a:rPr lang="nl-BE" dirty="0" smtClean="0"/>
+              <a:rPr lang="nl-BE" dirty="0"/>
               <a:t>Fifth level</a:t>
             </a:r>
             <a:endParaRPr lang="en-US" dirty="0"/>
@@ -1475,7 +1491,7 @@
           </a:lstStyle>
           <a:p>
             <a:r>
-              <a:rPr lang="nl-BE" sz="1800" dirty="0" smtClean="0">
+              <a:rPr lang="nl-BE" sz="1800" dirty="0">
                 <a:latin typeface="+mn-lt"/>
               </a:rPr>
               <a:t>www.devoxx4kids.com</a:t>
@@ -1572,7 +1588,7 @@
           </a:lstStyle>
           <a:p>
             <a:r>
-              <a:rPr lang="nl-BE" smtClean="0"/>
+              <a:rPr lang="nl-BE"/>
               <a:t>Click to edit Master title style</a:t>
             </a:r>
             <a:endParaRPr lang="en-US"/>
@@ -1695,7 +1711,7 @@
           <a:p>
             <a:pPr lvl="0"/>
             <a:r>
-              <a:rPr lang="nl-BE" smtClean="0"/>
+              <a:rPr lang="nl-BE"/>
               <a:t>Click to edit Master text styles</a:t>
             </a:r>
           </a:p>
@@ -1826,7 +1842,7 @@
           </a:lstStyle>
           <a:p>
             <a:r>
-              <a:rPr lang="nl-BE" sz="1800" dirty="0" smtClean="0">
+              <a:rPr lang="nl-BE" sz="1800" dirty="0">
                 <a:latin typeface="+mn-lt"/>
               </a:rPr>
               <a:t>www.devoxx4kids.com</a:t>
@@ -1920,35 +1936,35 @@
           <a:p>
             <a:pPr lvl="0"/>
             <a:r>
-              <a:rPr lang="nl-BE" smtClean="0"/>
+              <a:rPr lang="nl-BE"/>
               <a:t>Click to edit Master text styles</a:t>
             </a:r>
           </a:p>
           <a:p>
             <a:pPr lvl="1"/>
             <a:r>
-              <a:rPr lang="nl-BE" smtClean="0"/>
+              <a:rPr lang="nl-BE"/>
               <a:t>Second level</a:t>
             </a:r>
           </a:p>
           <a:p>
             <a:pPr lvl="2"/>
             <a:r>
-              <a:rPr lang="nl-BE" smtClean="0"/>
+              <a:rPr lang="nl-BE"/>
               <a:t>Third level</a:t>
             </a:r>
           </a:p>
           <a:p>
             <a:pPr lvl="3"/>
             <a:r>
-              <a:rPr lang="nl-BE" smtClean="0"/>
+              <a:rPr lang="nl-BE"/>
               <a:t>Fourth level</a:t>
             </a:r>
           </a:p>
           <a:p>
             <a:pPr lvl="4"/>
             <a:r>
-              <a:rPr lang="nl-BE" smtClean="0"/>
+              <a:rPr lang="nl-BE"/>
               <a:t>Fifth level</a:t>
             </a:r>
             <a:endParaRPr lang="en-US"/>
@@ -2008,35 +2024,35 @@
           <a:p>
             <a:pPr lvl="0"/>
             <a:r>
-              <a:rPr lang="nl-BE" smtClean="0"/>
+              <a:rPr lang="nl-BE"/>
               <a:t>Click to edit Master text styles</a:t>
             </a:r>
           </a:p>
           <a:p>
             <a:pPr lvl="1"/>
             <a:r>
-              <a:rPr lang="nl-BE" smtClean="0"/>
+              <a:rPr lang="nl-BE"/>
               <a:t>Second level</a:t>
             </a:r>
           </a:p>
           <a:p>
             <a:pPr lvl="2"/>
             <a:r>
-              <a:rPr lang="nl-BE" smtClean="0"/>
+              <a:rPr lang="nl-BE"/>
               <a:t>Third level</a:t>
             </a:r>
           </a:p>
           <a:p>
             <a:pPr lvl="3"/>
             <a:r>
-              <a:rPr lang="nl-BE" smtClean="0"/>
+              <a:rPr lang="nl-BE"/>
               <a:t>Fourth level</a:t>
             </a:r>
           </a:p>
           <a:p>
             <a:pPr lvl="4"/>
             <a:r>
-              <a:rPr lang="nl-BE" smtClean="0"/>
+              <a:rPr lang="nl-BE"/>
               <a:t>Fifth level</a:t>
             </a:r>
             <a:endParaRPr lang="en-US"/>
@@ -2128,7 +2144,7 @@
           <a:lstStyle/>
           <a:p>
             <a:r>
-              <a:rPr lang="nl-BE" dirty="0" smtClean="0"/>
+              <a:rPr lang="nl-BE" dirty="0"/>
               <a:t>Click to edit Master title style</a:t>
             </a:r>
             <a:endParaRPr lang="en-US" dirty="0"/>
@@ -2196,7 +2212,7 @@
           </a:lstStyle>
           <a:p>
             <a:r>
-              <a:rPr lang="nl-BE" sz="1800" dirty="0" smtClean="0">
+              <a:rPr lang="nl-BE" sz="1800" dirty="0">
                 <a:latin typeface="+mn-lt"/>
               </a:rPr>
               <a:t>www.devoxx4kids.com</a:t>
@@ -2299,7 +2315,7 @@
           <a:p>
             <a:pPr lvl="0"/>
             <a:r>
-              <a:rPr lang="nl-BE" smtClean="0"/>
+              <a:rPr lang="nl-BE"/>
               <a:t>Click to edit Master text styles</a:t>
             </a:r>
           </a:p>
@@ -2358,35 +2374,35 @@
           <a:p>
             <a:pPr lvl="0"/>
             <a:r>
-              <a:rPr lang="nl-BE" smtClean="0"/>
+              <a:rPr lang="nl-BE"/>
               <a:t>Click to edit Master text styles</a:t>
             </a:r>
           </a:p>
           <a:p>
             <a:pPr lvl="1"/>
             <a:r>
-              <a:rPr lang="nl-BE" smtClean="0"/>
+              <a:rPr lang="nl-BE"/>
               <a:t>Second level</a:t>
             </a:r>
           </a:p>
           <a:p>
             <a:pPr lvl="2"/>
             <a:r>
-              <a:rPr lang="nl-BE" smtClean="0"/>
+              <a:rPr lang="nl-BE"/>
               <a:t>Third level</a:t>
             </a:r>
           </a:p>
           <a:p>
             <a:pPr lvl="3"/>
             <a:r>
-              <a:rPr lang="nl-BE" smtClean="0"/>
+              <a:rPr lang="nl-BE"/>
               <a:t>Fourth level</a:t>
             </a:r>
           </a:p>
           <a:p>
             <a:pPr lvl="4"/>
             <a:r>
-              <a:rPr lang="nl-BE" smtClean="0"/>
+              <a:rPr lang="nl-BE"/>
               <a:t>Fifth level</a:t>
             </a:r>
             <a:endParaRPr lang="en-US"/>
@@ -2455,7 +2471,7 @@
           <a:p>
             <a:pPr lvl="0"/>
             <a:r>
-              <a:rPr lang="nl-BE" smtClean="0"/>
+              <a:rPr lang="nl-BE"/>
               <a:t>Click to edit Master text styles</a:t>
             </a:r>
           </a:p>
@@ -2514,35 +2530,35 @@
           <a:p>
             <a:pPr lvl="0"/>
             <a:r>
-              <a:rPr lang="nl-BE" smtClean="0"/>
+              <a:rPr lang="nl-BE"/>
               <a:t>Click to edit Master text styles</a:t>
             </a:r>
           </a:p>
           <a:p>
             <a:pPr lvl="1"/>
             <a:r>
-              <a:rPr lang="nl-BE" smtClean="0"/>
+              <a:rPr lang="nl-BE"/>
               <a:t>Second level</a:t>
             </a:r>
           </a:p>
           <a:p>
             <a:pPr lvl="2"/>
             <a:r>
-              <a:rPr lang="nl-BE" smtClean="0"/>
+              <a:rPr lang="nl-BE"/>
               <a:t>Third level</a:t>
             </a:r>
           </a:p>
           <a:p>
             <a:pPr lvl="3"/>
             <a:r>
-              <a:rPr lang="nl-BE" smtClean="0"/>
+              <a:rPr lang="nl-BE"/>
               <a:t>Fourth level</a:t>
             </a:r>
           </a:p>
           <a:p>
             <a:pPr lvl="4"/>
             <a:r>
-              <a:rPr lang="nl-BE" smtClean="0"/>
+              <a:rPr lang="nl-BE"/>
               <a:t>Fifth level</a:t>
             </a:r>
             <a:endParaRPr lang="en-US"/>
@@ -2634,7 +2650,7 @@
           <a:lstStyle/>
           <a:p>
             <a:r>
-              <a:rPr lang="nl-BE" dirty="0" smtClean="0"/>
+              <a:rPr lang="nl-BE" dirty="0"/>
               <a:t>Click to edit Master title style</a:t>
             </a:r>
             <a:endParaRPr lang="en-US" dirty="0"/>
@@ -2702,7 +2718,7 @@
           </a:lstStyle>
           <a:p>
             <a:r>
-              <a:rPr lang="nl-BE" sz="1800" dirty="0" smtClean="0">
+              <a:rPr lang="nl-BE" sz="1800" dirty="0">
                 <a:latin typeface="+mn-lt"/>
               </a:rPr>
               <a:t>www.devoxx4kids.com</a:t>
@@ -2828,7 +2844,7 @@
           <a:lstStyle/>
           <a:p>
             <a:r>
-              <a:rPr lang="nl-BE" dirty="0" smtClean="0"/>
+              <a:rPr lang="nl-BE" dirty="0"/>
               <a:t>Click to edit Master title style</a:t>
             </a:r>
             <a:endParaRPr lang="en-US" dirty="0"/>
@@ -2896,7 +2912,7 @@
           </a:lstStyle>
           <a:p>
             <a:r>
-              <a:rPr lang="nl-BE" sz="1800" dirty="0" smtClean="0">
+              <a:rPr lang="nl-BE" sz="1800" dirty="0">
                 <a:latin typeface="+mn-lt"/>
               </a:rPr>
               <a:t>www.devoxx4kids.com</a:t>
@@ -3059,7 +3075,7 @@
           </a:lstStyle>
           <a:p>
             <a:r>
-              <a:rPr lang="nl-BE" sz="1800" dirty="0" smtClean="0">
+              <a:rPr lang="nl-BE" sz="1800" dirty="0">
                 <a:latin typeface="+mn-lt"/>
               </a:rPr>
               <a:t>www.devoxx4kids.com</a:t>
@@ -3128,7 +3144,7 @@
           </a:lstStyle>
           <a:p>
             <a:r>
-              <a:rPr lang="nl-BE" dirty="0" smtClean="0"/>
+              <a:rPr lang="nl-BE" dirty="0"/>
               <a:t>Click to edit Master title style</a:t>
             </a:r>
             <a:endParaRPr lang="en-US" dirty="0"/>
@@ -3188,35 +3204,35 @@
           <a:p>
             <a:pPr lvl="0"/>
             <a:r>
-              <a:rPr lang="nl-BE" smtClean="0"/>
+              <a:rPr lang="nl-BE"/>
               <a:t>Click to edit Master text styles</a:t>
             </a:r>
           </a:p>
           <a:p>
             <a:pPr lvl="1"/>
             <a:r>
-              <a:rPr lang="nl-BE" smtClean="0"/>
+              <a:rPr lang="nl-BE"/>
               <a:t>Second level</a:t>
             </a:r>
           </a:p>
           <a:p>
             <a:pPr lvl="2"/>
             <a:r>
-              <a:rPr lang="nl-BE" smtClean="0"/>
+              <a:rPr lang="nl-BE"/>
               <a:t>Third level</a:t>
             </a:r>
           </a:p>
           <a:p>
             <a:pPr lvl="3"/>
             <a:r>
-              <a:rPr lang="nl-BE" smtClean="0"/>
+              <a:rPr lang="nl-BE"/>
               <a:t>Fourth level</a:t>
             </a:r>
           </a:p>
           <a:p>
             <a:pPr lvl="4"/>
             <a:r>
-              <a:rPr lang="nl-BE" smtClean="0"/>
+              <a:rPr lang="nl-BE"/>
               <a:t>Fifth level</a:t>
             </a:r>
             <a:endParaRPr lang="en-US"/>
@@ -3285,7 +3301,7 @@
           <a:p>
             <a:pPr lvl="0"/>
             <a:r>
-              <a:rPr lang="nl-BE" dirty="0" smtClean="0"/>
+              <a:rPr lang="nl-BE" dirty="0"/>
               <a:t>Click to edit Master text styles</a:t>
             </a:r>
           </a:p>
@@ -3413,7 +3429,7 @@
           </a:lstStyle>
           <a:p>
             <a:r>
-              <a:rPr lang="nl-BE" sz="1800" dirty="0" smtClean="0">
+              <a:rPr lang="nl-BE" sz="1800" dirty="0">
                 <a:latin typeface="+mn-lt"/>
               </a:rPr>
               <a:t>www.devoxx4kids.com</a:t>
@@ -3482,7 +3498,7 @@
           </a:lstStyle>
           <a:p>
             <a:r>
-              <a:rPr lang="nl-BE" dirty="0" smtClean="0"/>
+              <a:rPr lang="nl-BE" dirty="0"/>
               <a:t>Click to edit Master title style</a:t>
             </a:r>
             <a:endParaRPr lang="en-US" dirty="0"/>
@@ -3615,7 +3631,7 @@
           <a:p>
             <a:pPr lvl="0"/>
             <a:r>
-              <a:rPr lang="nl-BE" smtClean="0"/>
+              <a:rPr lang="nl-BE"/>
               <a:t>Click to edit Master text styles</a:t>
             </a:r>
           </a:p>
@@ -3743,7 +3759,7 @@
           </a:lstStyle>
           <a:p>
             <a:r>
-              <a:rPr lang="nl-BE" sz="1800" dirty="0" smtClean="0">
+              <a:rPr lang="nl-BE" sz="1800" dirty="0">
                 <a:latin typeface="+mn-lt"/>
               </a:rPr>
               <a:t>www.devoxx4kids.com</a:t>
@@ -4112,7 +4128,7 @@
           <a:noFill/>
           <a:extLst>
             <a:ext uri="{909E8E84-426E-40dd-AFC4-6F175D3DCCD1}">
-              <a14:hiddenFill xmlns:a14="http://schemas.microsoft.com/office/drawing/2010/main">
+              <a14:hiddenFill xmlns:a14="http://schemas.microsoft.com/office/drawing/2010/main" xmlns="">
                 <a:solidFill>
                   <a:srgbClr val="FFFFFF"/>
                 </a:solidFill>
@@ -4153,7 +4169,7 @@
           <a:noFill/>
           <a:extLst>
             <a:ext uri="{909E8E84-426E-40dd-AFC4-6F175D3DCCD1}">
-              <a14:hiddenFill xmlns:a14="http://schemas.microsoft.com/office/drawing/2010/main">
+              <a14:hiddenFill xmlns:a14="http://schemas.microsoft.com/office/drawing/2010/main" xmlns="">
                 <a:solidFill>
                   <a:srgbClr val="FFFFFF"/>
                 </a:solidFill>
@@ -4178,21 +4194,16 @@
           <a:lstStyle/>
           <a:p>
             <a:r>
-              <a:rPr lang="nl-NL" dirty="0" smtClean="0"/>
+              <a:rPr lang="nl-NL" dirty="0"/>
               <a:t>Programmeren</a:t>
             </a:r>
             <a:br>
-              <a:rPr lang="nl-NL" dirty="0" smtClean="0"/>
+              <a:rPr lang="nl-NL" dirty="0"/>
             </a:br>
             <a:r>
-              <a:rPr lang="nl-NL" dirty="0" smtClean="0"/>
-              <a:t>Opdracht </a:t>
-            </a:r>
-            <a:r>
-              <a:rPr lang="nl-NL" dirty="0" smtClean="0"/>
-              <a:t>2</a:t>
-            </a:r>
-            <a:endParaRPr lang="nl-NL" dirty="0"/>
+              <a:rPr lang="nl-NL" dirty="0"/>
+              <a:t>Opdracht 2</a:t>
+            </a:r>
           </a:p>
         </p:txBody>
       </p:sp>
@@ -4206,13 +4217,6 @@
   <p:clrMapOvr>
     <a:masterClrMapping/>
   </p:clrMapOvr>
-  <p:timing>
-    <p:tnLst>
-      <p:par>
-        <p:cTn xmlns:p14="http://schemas.microsoft.com/office/powerpoint/2010/main" id="1" dur="indefinite" restart="never" nodeType="tmRoot"/>
-      </p:par>
-    </p:tnLst>
-  </p:timing>
 </p:sld>
 </file>
 
@@ -4255,30 +4259,19 @@
           <a:p>
             <a:pPr algn="l"/>
             <a:r>
-              <a:rPr lang="en-US" dirty="0" err="1" smtClean="0">
+              <a:rPr lang="en-US" dirty="0" err="1">
                 <a:latin typeface="Comic Sans MS"/>
                 <a:cs typeface="Comic Sans MS"/>
               </a:rPr>
               <a:t>Opdracht</a:t>
             </a:r>
             <a:r>
-              <a:rPr lang="en-US" dirty="0" smtClean="0">
-                <a:latin typeface="Comic Sans MS"/>
-                <a:cs typeface="Comic Sans MS"/>
-              </a:rPr>
-              <a:t> </a:t>
-            </a:r>
-            <a:r>
-              <a:rPr lang="en-US" dirty="0" smtClean="0">
-                <a:latin typeface="Comic Sans MS"/>
-                <a:cs typeface="Comic Sans MS"/>
-              </a:rPr>
-              <a:t>2 </a:t>
-            </a:r>
-            <a:endParaRPr lang="en-US" dirty="0">
-              <a:latin typeface="Comic Sans MS"/>
-              <a:cs typeface="Comic Sans MS"/>
-            </a:endParaRPr>
+              <a:rPr lang="en-US" dirty="0">
+                <a:latin typeface="Comic Sans MS"/>
+                <a:cs typeface="Comic Sans MS"/>
+              </a:rPr>
+              <a:t> 2 </a:t>
+            </a:r>
           </a:p>
         </p:txBody>
       </p:sp>
@@ -4350,21 +4343,14 @@
           <a:lstStyle/>
           <a:p>
             <a:r>
-              <a:rPr lang="nl-NL" dirty="0" smtClean="0">
-                <a:latin typeface="Comic Sans MS"/>
-                <a:cs typeface="Comic Sans MS"/>
-              </a:rPr>
-              <a:t>Klik op </a:t>
-            </a:r>
-            <a:r>
-              <a:rPr lang="nl-NL" dirty="0" smtClean="0">
-                <a:latin typeface="Comic Sans MS"/>
-                <a:cs typeface="Comic Sans MS"/>
-              </a:rPr>
-              <a:t>‘</a:t>
-            </a:r>
-            <a:r>
-              <a:rPr lang="nl-NL" dirty="0" smtClean="0">
+              <a:rPr lang="nl-NL" dirty="0">
+                <a:latin typeface="Comic Sans MS"/>
+                <a:cs typeface="Comic Sans MS"/>
+              </a:rPr>
+              <a:t>Klik op ‘</a:t>
+            </a:r>
+            <a:r>
+              <a:rPr lang="nl-NL" dirty="0">
                 <a:solidFill>
                   <a:srgbClr val="BC711C"/>
                 </a:solidFill>
@@ -4374,18 +4360,11 @@
               <a:t>Besturen</a:t>
             </a:r>
             <a:r>
-              <a:rPr lang="nl-NL" dirty="0" smtClean="0">
-                <a:latin typeface="Comic Sans MS"/>
-                <a:cs typeface="Comic Sans MS"/>
-              </a:rPr>
-              <a:t>’ </a:t>
-            </a:r>
-            <a:r>
-              <a:rPr lang="nl-NL" dirty="0" smtClean="0">
-                <a:latin typeface="Comic Sans MS"/>
-                <a:cs typeface="Comic Sans MS"/>
-              </a:rPr>
-              <a:t>bouwstenen.</a:t>
+              <a:rPr lang="nl-NL" dirty="0">
+                <a:latin typeface="Comic Sans MS"/>
+                <a:cs typeface="Comic Sans MS"/>
+              </a:rPr>
+              <a:t>’ bouwstenen.</a:t>
             </a:r>
           </a:p>
           <a:p>
@@ -4396,21 +4375,14 @@
           </a:p>
           <a:p>
             <a:r>
-              <a:rPr lang="nl-NL" dirty="0" smtClean="0">
-                <a:latin typeface="Comic Sans MS"/>
-                <a:cs typeface="Comic Sans MS"/>
-              </a:rPr>
-              <a:t>Sleep dan de bouwsteen </a:t>
-            </a:r>
-            <a:r>
-              <a:rPr lang="nl-NL" dirty="0" smtClean="0">
-                <a:latin typeface="Comic Sans MS"/>
-                <a:cs typeface="Comic Sans MS"/>
-              </a:rPr>
-              <a:t>‘</a:t>
-            </a:r>
-            <a:r>
-              <a:rPr lang="nl-NL" dirty="0" smtClean="0">
+              <a:rPr lang="nl-NL" dirty="0">
+                <a:latin typeface="Comic Sans MS"/>
+                <a:cs typeface="Comic Sans MS"/>
+              </a:rPr>
+              <a:t>Sleep dan de bouwsteen ‘</a:t>
+            </a:r>
+            <a:r>
+              <a:rPr lang="nl-NL" dirty="0">
                 <a:solidFill>
                   <a:srgbClr val="BC711C"/>
                 </a:solidFill>
@@ -4420,50 +4392,24 @@
               <a:t>herhaal</a:t>
             </a:r>
             <a:r>
-              <a:rPr lang="nl-NL" dirty="0" smtClean="0">
-                <a:latin typeface="Comic Sans MS"/>
-                <a:cs typeface="Comic Sans MS"/>
-              </a:rPr>
-              <a:t>’ </a:t>
-            </a:r>
-            <a:r>
-              <a:rPr lang="nl-NL" dirty="0" smtClean="0">
-                <a:latin typeface="Comic Sans MS"/>
-                <a:cs typeface="Comic Sans MS"/>
-              </a:rPr>
-              <a:t>naar het programma </a:t>
-            </a:r>
-            <a:r>
-              <a:rPr lang="nl-NL" dirty="0" smtClean="0">
-                <a:latin typeface="Comic Sans MS"/>
-                <a:cs typeface="Comic Sans MS"/>
-              </a:rPr>
-              <a:t>veld</a:t>
-            </a:r>
-            <a:r>
-              <a:rPr lang="nl-NL" dirty="0">
-                <a:latin typeface="Comic Sans MS"/>
-                <a:cs typeface="Comic Sans MS"/>
-              </a:rPr>
-              <a:t> </a:t>
-            </a:r>
-            <a:r>
-              <a:rPr lang="nl-NL" dirty="0" smtClean="0">
-                <a:latin typeface="Comic Sans MS"/>
-                <a:cs typeface="Comic Sans MS"/>
-              </a:rPr>
-              <a:t>en plaats deze onder de vorige bouwsteen</a:t>
-            </a:r>
-            <a:endParaRPr lang="nl-NL" dirty="0">
-              <a:latin typeface="Comic Sans MS"/>
-              <a:cs typeface="Comic Sans MS"/>
-            </a:endParaRPr>
+              <a:rPr lang="nl-NL" dirty="0">
+                <a:latin typeface="Comic Sans MS"/>
+                <a:cs typeface="Comic Sans MS"/>
+              </a:rPr>
+              <a:t>’ naar het programma veld en plaats deze onder de vorige bouwsteen</a:t>
+            </a:r>
           </a:p>
         </p:txBody>
       </p:sp>
       <p:pic>
         <p:nvPicPr>
-          <p:cNvPr id="6" name="Content Placeholder 5" descr="Screen Shot 2015-09-10 at 09.35.32.png"/>
+          <p:cNvPr id="10" name="Content Placeholder 9">
+            <a:extLst>
+              <a:ext uri="{FF2B5EF4-FFF2-40B4-BE49-F238E27FC236}">
+                <a16:creationId xmlns:a16="http://schemas.microsoft.com/office/drawing/2014/main" id="{E594F8C6-A77B-964C-B80C-670CA1F60131}"/>
+              </a:ext>
+            </a:extLst>
+          </p:cNvPr>
           <p:cNvPicPr>
             <a:picLocks noGrp="1" noChangeAspect="1"/>
           </p:cNvPicPr>
@@ -4471,21 +4417,16 @@
             <p:ph idx="1"/>
           </p:nvPr>
         </p:nvPicPr>
-        <p:blipFill rotWithShape="1">
-          <a:blip r:embed="rId2">
-            <a:extLst>
-              <a:ext uri="{28A0092B-C50C-407E-A947-70E740481C1C}">
-                <a14:useLocalDpi xmlns:a14="http://schemas.microsoft.com/office/drawing/2010/main" val="0"/>
-              </a:ext>
-            </a:extLst>
-          </a:blip>
-          <a:srcRect t="-518" b="-486"/>
-          <a:stretch/>
+        <p:blipFill>
+          <a:blip r:embed="rId2"/>
+          <a:stretch>
+            <a:fillRect/>
+          </a:stretch>
         </p:blipFill>
         <p:spPr>
           <a:xfrm>
-            <a:off x="4212327" y="2068286"/>
-            <a:ext cx="4474473" cy="3193143"/>
+            <a:off x="3935852" y="2011680"/>
+            <a:ext cx="4677298" cy="2481674"/>
           </a:xfrm>
         </p:spPr>
       </p:pic>
@@ -4499,13 +4440,6 @@
   <p:clrMapOvr>
     <a:masterClrMapping/>
   </p:clrMapOvr>
-  <p:timing>
-    <p:tnLst>
-      <p:par>
-        <p:cTn xmlns:p14="http://schemas.microsoft.com/office/powerpoint/2010/main" id="1" dur="indefinite" restart="never" nodeType="tmRoot"/>
-      </p:par>
-    </p:tnLst>
-  </p:timing>
 </p:sld>
 </file>
 
@@ -4548,30 +4482,19 @@
           <a:p>
             <a:pPr algn="l"/>
             <a:r>
-              <a:rPr lang="en-US" dirty="0" err="1" smtClean="0">
+              <a:rPr lang="en-US" dirty="0" err="1">
                 <a:latin typeface="Comic Sans MS"/>
                 <a:cs typeface="Comic Sans MS"/>
               </a:rPr>
               <a:t>Opdracht</a:t>
             </a:r>
             <a:r>
-              <a:rPr lang="en-US" dirty="0" smtClean="0">
-                <a:latin typeface="Comic Sans MS"/>
-                <a:cs typeface="Comic Sans MS"/>
-              </a:rPr>
-              <a:t> </a:t>
-            </a:r>
-            <a:r>
-              <a:rPr lang="en-US" dirty="0" smtClean="0">
-                <a:latin typeface="Comic Sans MS"/>
-                <a:cs typeface="Comic Sans MS"/>
-              </a:rPr>
-              <a:t>2 </a:t>
-            </a:r>
-            <a:endParaRPr lang="en-US" dirty="0">
-              <a:latin typeface="Comic Sans MS"/>
-              <a:cs typeface="Comic Sans MS"/>
-            </a:endParaRPr>
+              <a:rPr lang="en-US" dirty="0">
+                <a:latin typeface="Comic Sans MS"/>
+                <a:cs typeface="Comic Sans MS"/>
+              </a:rPr>
+              <a:t> 2 </a:t>
+            </a:r>
           </a:p>
         </p:txBody>
       </p:sp>
@@ -4643,28 +4566,14 @@
           <a:lstStyle/>
           <a:p>
             <a:r>
-              <a:rPr lang="nl-NL" dirty="0" smtClean="0">
-                <a:latin typeface="Comic Sans MS"/>
-                <a:cs typeface="Comic Sans MS"/>
-              </a:rPr>
-              <a:t>Sleep nu de </a:t>
-            </a:r>
-            <a:r>
-              <a:rPr lang="nl-NL" dirty="0" smtClean="0">
-                <a:latin typeface="Comic Sans MS"/>
-                <a:cs typeface="Comic Sans MS"/>
-              </a:rPr>
-              <a:t>bouwsteen </a:t>
-            </a:r>
-            <a:r>
-              <a:rPr lang="nl-NL" dirty="0" smtClean="0">
-                <a:latin typeface="Comic Sans MS"/>
-                <a:cs typeface="Comic Sans MS"/>
-              </a:rPr>
-              <a:t>‘</a:t>
-            </a:r>
-            <a:r>
-              <a:rPr lang="nl-NL" dirty="0" smtClean="0">
+              <a:rPr lang="nl-NL" dirty="0">
+                <a:latin typeface="Comic Sans MS"/>
+                <a:cs typeface="Comic Sans MS"/>
+              </a:rPr>
+              <a:t>Sleep nu de bouwsteen ‘</a:t>
+            </a:r>
+            <a:r>
+              <a:rPr lang="nl-NL" dirty="0">
                 <a:solidFill>
                   <a:srgbClr val="BC711C"/>
                 </a:solidFill>
@@ -4674,42 +4583,14 @@
               <a:t>als &lt;&gt; dan</a:t>
             </a:r>
             <a:r>
-              <a:rPr lang="nl-NL" dirty="0" smtClean="0">
-                <a:latin typeface="Comic Sans MS"/>
-                <a:cs typeface="Comic Sans MS"/>
-              </a:rPr>
-              <a:t>’ </a:t>
-            </a:r>
-            <a:r>
-              <a:rPr lang="nl-NL" dirty="0" smtClean="0">
-                <a:latin typeface="Comic Sans MS"/>
-                <a:cs typeface="Comic Sans MS"/>
-              </a:rPr>
-              <a:t>naar het programma </a:t>
-            </a:r>
-            <a:r>
-              <a:rPr lang="nl-NL" dirty="0" smtClean="0">
-                <a:latin typeface="Comic Sans MS"/>
-                <a:cs typeface="Comic Sans MS"/>
-              </a:rPr>
-              <a:t>veld</a:t>
-            </a:r>
-            <a:r>
-              <a:rPr lang="nl-NL" dirty="0">
-                <a:latin typeface="Comic Sans MS"/>
-                <a:cs typeface="Comic Sans MS"/>
-              </a:rPr>
-              <a:t> </a:t>
-            </a:r>
-            <a:r>
-              <a:rPr lang="nl-NL" dirty="0" smtClean="0">
-                <a:latin typeface="Comic Sans MS"/>
-                <a:cs typeface="Comic Sans MS"/>
-              </a:rPr>
-              <a:t>en plaats binnen de bouwsteen ‘</a:t>
-            </a:r>
-            <a:r>
-              <a:rPr lang="nl-NL" dirty="0" smtClean="0">
+              <a:rPr lang="nl-NL" dirty="0">
+                <a:latin typeface="Comic Sans MS"/>
+                <a:cs typeface="Comic Sans MS"/>
+              </a:rPr>
+              <a:t>’ naar het programma veld en plaats binnen de bouwsteen ‘</a:t>
+            </a:r>
+            <a:r>
+              <a:rPr lang="nl-NL" dirty="0">
                 <a:solidFill>
                   <a:srgbClr val="BC711C"/>
                 </a:solidFill>
@@ -4719,22 +4600,24 @@
               <a:t>herhaal</a:t>
             </a:r>
             <a:r>
-              <a:rPr lang="nl-NL" dirty="0" smtClean="0">
+              <a:rPr lang="nl-NL" dirty="0">
                 <a:latin typeface="Comic Sans MS"/>
                 <a:cs typeface="Comic Sans MS"/>
               </a:rPr>
               <a:t>’</a:t>
             </a:r>
-            <a:endParaRPr lang="nl-NL" dirty="0">
-              <a:latin typeface="Comic Sans MS"/>
-              <a:cs typeface="Comic Sans MS"/>
-            </a:endParaRPr>
           </a:p>
         </p:txBody>
       </p:sp>
       <p:pic>
         <p:nvPicPr>
-          <p:cNvPr id="8" name="Content Placeholder 7" descr="Screen Shot 2015-09-10 at 09.35.45.png"/>
+          <p:cNvPr id="10" name="Content Placeholder 9">
+            <a:extLst>
+              <a:ext uri="{FF2B5EF4-FFF2-40B4-BE49-F238E27FC236}">
+                <a16:creationId xmlns:a16="http://schemas.microsoft.com/office/drawing/2014/main" id="{05B94D1C-3CB9-1A4A-AE77-CAF6BC04FAC2}"/>
+              </a:ext>
+            </a:extLst>
+          </p:cNvPr>
           <p:cNvPicPr>
             <a:picLocks noGrp="1" noChangeAspect="1"/>
           </p:cNvPicPr>
@@ -4742,21 +4625,16 @@
             <p:ph idx="1"/>
           </p:nvPr>
         </p:nvPicPr>
-        <p:blipFill rotWithShape="1">
-          <a:blip r:embed="rId2">
-            <a:extLst>
-              <a:ext uri="{28A0092B-C50C-407E-A947-70E740481C1C}">
-                <a14:useLocalDpi xmlns:a14="http://schemas.microsoft.com/office/drawing/2010/main" val="0"/>
-              </a:ext>
-            </a:extLst>
-          </a:blip>
-          <a:srcRect t="-888" b="-1593"/>
-          <a:stretch/>
+        <p:blipFill>
+          <a:blip r:embed="rId2"/>
+          <a:stretch>
+            <a:fillRect/>
+          </a:stretch>
         </p:blipFill>
         <p:spPr>
           <a:xfrm>
-            <a:off x="4064000" y="2007810"/>
-            <a:ext cx="4724022" cy="3459237"/>
+            <a:off x="4099432" y="2035449"/>
+            <a:ext cx="4641455" cy="2600475"/>
           </a:xfrm>
         </p:spPr>
       </p:pic>
@@ -4770,13 +4648,6 @@
   <p:clrMapOvr>
     <a:masterClrMapping/>
   </p:clrMapOvr>
-  <p:timing>
-    <p:tnLst>
-      <p:par>
-        <p:cTn xmlns:p14="http://schemas.microsoft.com/office/powerpoint/2010/main" id="1" dur="indefinite" restart="never" nodeType="tmRoot"/>
-      </p:par>
-    </p:tnLst>
-  </p:timing>
 </p:sld>
 </file>
 
@@ -4819,30 +4690,19 @@
           <a:p>
             <a:pPr algn="l"/>
             <a:r>
-              <a:rPr lang="en-US" dirty="0" err="1" smtClean="0">
+              <a:rPr lang="en-US" dirty="0" err="1">
                 <a:latin typeface="Comic Sans MS"/>
                 <a:cs typeface="Comic Sans MS"/>
               </a:rPr>
               <a:t>Opdracht</a:t>
             </a:r>
             <a:r>
-              <a:rPr lang="en-US" dirty="0" smtClean="0">
-                <a:latin typeface="Comic Sans MS"/>
-                <a:cs typeface="Comic Sans MS"/>
-              </a:rPr>
-              <a:t> </a:t>
-            </a:r>
-            <a:r>
-              <a:rPr lang="en-US" dirty="0" smtClean="0">
-                <a:latin typeface="Comic Sans MS"/>
-                <a:cs typeface="Comic Sans MS"/>
-              </a:rPr>
-              <a:t>2 </a:t>
-            </a:r>
-            <a:endParaRPr lang="en-US" dirty="0">
-              <a:latin typeface="Comic Sans MS"/>
-              <a:cs typeface="Comic Sans MS"/>
-            </a:endParaRPr>
+              <a:rPr lang="en-US" dirty="0">
+                <a:latin typeface="Comic Sans MS"/>
+                <a:cs typeface="Comic Sans MS"/>
+              </a:rPr>
+              <a:t> 2 </a:t>
+            </a:r>
           </a:p>
         </p:txBody>
       </p:sp>
@@ -4914,21 +4774,14 @@
           <a:lstStyle/>
           <a:p>
             <a:r>
-              <a:rPr lang="nl-NL" dirty="0" smtClean="0">
-                <a:latin typeface="Comic Sans MS"/>
-                <a:cs typeface="Comic Sans MS"/>
-              </a:rPr>
-              <a:t>Klik op </a:t>
-            </a:r>
-            <a:r>
-              <a:rPr lang="nl-NL" dirty="0" smtClean="0">
-                <a:latin typeface="Comic Sans MS"/>
-                <a:cs typeface="Comic Sans MS"/>
-              </a:rPr>
-              <a:t>‘</a:t>
-            </a:r>
-            <a:r>
-              <a:rPr lang="nl-NL" dirty="0" smtClean="0">
+              <a:rPr lang="nl-NL" dirty="0">
+                <a:latin typeface="Comic Sans MS"/>
+                <a:cs typeface="Comic Sans MS"/>
+              </a:rPr>
+              <a:t>Klik op ‘</a:t>
+            </a:r>
+            <a:r>
+              <a:rPr lang="nl-NL" dirty="0">
                 <a:solidFill>
                   <a:srgbClr val="1E91DE"/>
                 </a:solidFill>
@@ -4938,18 +4791,11 @@
               <a:t>Waarnemen</a:t>
             </a:r>
             <a:r>
-              <a:rPr lang="nl-NL" dirty="0" smtClean="0">
-                <a:latin typeface="Comic Sans MS"/>
-                <a:cs typeface="Comic Sans MS"/>
-              </a:rPr>
-              <a:t>’ </a:t>
-            </a:r>
-            <a:r>
-              <a:rPr lang="nl-NL" dirty="0" smtClean="0">
-                <a:latin typeface="Comic Sans MS"/>
-                <a:cs typeface="Comic Sans MS"/>
-              </a:rPr>
-              <a:t>bouwstenen.</a:t>
+              <a:rPr lang="nl-NL" dirty="0">
+                <a:latin typeface="Comic Sans MS"/>
+                <a:cs typeface="Comic Sans MS"/>
+              </a:rPr>
+              <a:t>’ bouwstenen.</a:t>
             </a:r>
           </a:p>
           <a:p>
@@ -4960,21 +4806,14 @@
           </a:p>
           <a:p>
             <a:r>
-              <a:rPr lang="nl-NL" dirty="0" smtClean="0">
-                <a:latin typeface="Comic Sans MS"/>
-                <a:cs typeface="Comic Sans MS"/>
-              </a:rPr>
-              <a:t>Sleep dan de bouwsteen </a:t>
-            </a:r>
-            <a:r>
-              <a:rPr lang="nl-NL" dirty="0" smtClean="0">
-                <a:latin typeface="Comic Sans MS"/>
-                <a:cs typeface="Comic Sans MS"/>
-              </a:rPr>
-              <a:t>‘</a:t>
-            </a:r>
-            <a:r>
-              <a:rPr lang="nl-NL" dirty="0" smtClean="0">
+              <a:rPr lang="nl-NL" dirty="0">
+                <a:latin typeface="Comic Sans MS"/>
+                <a:cs typeface="Comic Sans MS"/>
+              </a:rPr>
+              <a:t>Sleep dan de bouwsteen ‘</a:t>
+            </a:r>
+            <a:r>
+              <a:rPr lang="nl-NL" dirty="0">
                 <a:solidFill>
                   <a:srgbClr val="1E91DE"/>
                 </a:solidFill>
@@ -4984,46 +4823,11 @@
               <a:t>raak ik [] ?</a:t>
             </a:r>
             <a:r>
-              <a:rPr lang="nl-NL" dirty="0" smtClean="0">
-                <a:latin typeface="Comic Sans MS"/>
-                <a:cs typeface="Comic Sans MS"/>
-              </a:rPr>
-              <a:t>’ </a:t>
-            </a:r>
-            <a:r>
-              <a:rPr lang="nl-NL" dirty="0" smtClean="0">
-                <a:latin typeface="Comic Sans MS"/>
-                <a:cs typeface="Comic Sans MS"/>
-              </a:rPr>
-              <a:t>naar het programma </a:t>
-            </a:r>
-            <a:r>
-              <a:rPr lang="nl-NL" dirty="0" smtClean="0">
-                <a:latin typeface="Comic Sans MS"/>
-                <a:cs typeface="Comic Sans MS"/>
-              </a:rPr>
-              <a:t>veld</a:t>
-            </a:r>
-            <a:r>
-              <a:rPr lang="nl-NL" dirty="0">
-                <a:latin typeface="Comic Sans MS"/>
-                <a:cs typeface="Comic Sans MS"/>
-              </a:rPr>
-              <a:t> </a:t>
-            </a:r>
-            <a:r>
-              <a:rPr lang="nl-NL" dirty="0" smtClean="0">
-                <a:latin typeface="Comic Sans MS"/>
-                <a:cs typeface="Comic Sans MS"/>
-              </a:rPr>
-              <a:t>en plaats deze in de bouwsteen </a:t>
-            </a:r>
-            <a:r>
-              <a:rPr lang="nl-NL" dirty="0">
-                <a:latin typeface="Comic Sans MS"/>
-                <a:cs typeface="Comic Sans MS"/>
-              </a:rPr>
-              <a:t>‘</a:t>
+              <a:rPr lang="nl-NL" dirty="0">
+                <a:latin typeface="Comic Sans MS"/>
+                <a:cs typeface="Comic Sans MS"/>
+              </a:rPr>
+              <a:t>’ naar het programma veld en plaats deze in de bouwsteen ‘</a:t>
             </a:r>
             <a:r>
               <a:rPr lang="nl-NL" dirty="0">
@@ -5036,7 +4840,7 @@
               <a:t>als &lt;&gt; dan</a:t>
             </a:r>
             <a:r>
-              <a:rPr lang="nl-NL" dirty="0" smtClean="0">
+              <a:rPr lang="nl-NL" dirty="0">
                 <a:latin typeface="Comic Sans MS"/>
                 <a:cs typeface="Comic Sans MS"/>
               </a:rPr>
@@ -5051,14 +4855,14 @@
           </a:p>
           <a:p>
             <a:r>
-              <a:rPr lang="nl-NL" dirty="0" smtClean="0">
+              <a:rPr lang="nl-NL" dirty="0">
                 <a:latin typeface="Comic Sans MS"/>
                 <a:cs typeface="Comic Sans MS"/>
               </a:rPr>
               <a:t>Kies vervolgens ‘</a:t>
             </a:r>
             <a:r>
-              <a:rPr lang="nl-NL" dirty="0" smtClean="0">
+              <a:rPr lang="nl-NL" dirty="0">
                 <a:solidFill>
                   <a:srgbClr val="1E91DE"/>
                 </a:solidFill>
@@ -5068,47 +4872,70 @@
               <a:t>rand</a:t>
             </a:r>
             <a:r>
-              <a:rPr lang="nl-NL" dirty="0" smtClean="0">
+              <a:rPr lang="nl-NL" dirty="0">
                 <a:latin typeface="Comic Sans MS"/>
                 <a:cs typeface="Comic Sans MS"/>
               </a:rPr>
               <a:t>’ in het vierkantje.</a:t>
             </a:r>
-            <a:endParaRPr lang="nl-NL" dirty="0">
-              <a:latin typeface="Comic Sans MS"/>
-              <a:cs typeface="Comic Sans MS"/>
-            </a:endParaRPr>
           </a:p>
         </p:txBody>
       </p:sp>
       <p:pic>
         <p:nvPicPr>
-          <p:cNvPr id="8" name="Content Placeholder 7" descr="Screen Shot 2015-09-10 at 09.36.03.png"/>
-          <p:cNvPicPr>
-            <a:picLocks noGrp="1" noChangeAspect="1"/>
-          </p:cNvPicPr>
-          <p:nvPr>
-            <p:ph idx="1"/>
-          </p:nvPr>
-        </p:nvPicPr>
-        <p:blipFill rotWithShape="1">
-          <a:blip r:embed="rId2">
+          <p:cNvPr id="6" name="Picture 5">
             <a:extLst>
-              <a:ext uri="{28A0092B-C50C-407E-A947-70E740481C1C}">
-                <a14:useLocalDpi xmlns:a14="http://schemas.microsoft.com/office/drawing/2010/main" val="0"/>
+              <a:ext uri="{FF2B5EF4-FFF2-40B4-BE49-F238E27FC236}">
+                <a16:creationId xmlns:a16="http://schemas.microsoft.com/office/drawing/2014/main" id="{F6B52CB0-E8CE-AC46-AC53-B19EAC1E62CB}"/>
               </a:ext>
             </a:extLst>
-          </a:blip>
-          <a:srcRect t="-120" b="-1605"/>
-          <a:stretch/>
+          </p:cNvPr>
+          <p:cNvPicPr>
+            <a:picLocks noChangeAspect="1"/>
+          </p:cNvPicPr>
+          <p:nvPr/>
+        </p:nvPicPr>
+        <p:blipFill>
+          <a:blip r:embed="rId2"/>
+          <a:stretch>
+            <a:fillRect/>
+          </a:stretch>
         </p:blipFill>
         <p:spPr>
           <a:xfrm>
-            <a:off x="3979333" y="2028933"/>
-            <a:ext cx="4853715" cy="3607447"/>
-          </a:xfrm>
+            <a:off x="3979333" y="2304288"/>
+            <a:ext cx="4722338" cy="3028369"/>
+          </a:xfrm>
+          <a:prstGeom prst="rect">
+            <a:avLst/>
+          </a:prstGeom>
         </p:spPr>
       </p:pic>
+      <p:sp>
+        <p:nvSpPr>
+          <p:cNvPr id="10" name="Content Placeholder 9">
+            <a:extLst>
+              <a:ext uri="{FF2B5EF4-FFF2-40B4-BE49-F238E27FC236}">
+                <a16:creationId xmlns:a16="http://schemas.microsoft.com/office/drawing/2014/main" id="{CADCE0E8-CE26-E547-B317-BB6D933C095A}"/>
+              </a:ext>
+            </a:extLst>
+          </p:cNvPr>
+          <p:cNvSpPr>
+            <a:spLocks noGrp="1"/>
+          </p:cNvSpPr>
+          <p:nvPr>
+            <p:ph idx="1"/>
+          </p:nvPr>
+        </p:nvSpPr>
+        <p:spPr/>
+        <p:txBody>
+          <a:bodyPr/>
+          <a:lstStyle/>
+          <a:p>
+            <a:endParaRPr lang="en-US"/>
+          </a:p>
+        </p:txBody>
+      </p:sp>
     </p:spTree>
     <p:extLst>
       <p:ext uri="{BB962C8B-B14F-4D97-AF65-F5344CB8AC3E}">
@@ -5119,13 +4946,6 @@
   <p:clrMapOvr>
     <a:masterClrMapping/>
   </p:clrMapOvr>
-  <p:timing>
-    <p:tnLst>
-      <p:par>
-        <p:cTn xmlns:p14="http://schemas.microsoft.com/office/powerpoint/2010/main" id="1" dur="indefinite" restart="never" nodeType="tmRoot"/>
-      </p:par>
-    </p:tnLst>
-  </p:timing>
 </p:sld>
 </file>
 
@@ -5168,30 +4988,19 @@
           <a:p>
             <a:pPr algn="l"/>
             <a:r>
-              <a:rPr lang="en-US" dirty="0" err="1" smtClean="0">
+              <a:rPr lang="en-US" dirty="0" err="1">
                 <a:latin typeface="Comic Sans MS"/>
                 <a:cs typeface="Comic Sans MS"/>
               </a:rPr>
               <a:t>Opdracht</a:t>
             </a:r>
             <a:r>
-              <a:rPr lang="en-US" dirty="0" smtClean="0">
-                <a:latin typeface="Comic Sans MS"/>
-                <a:cs typeface="Comic Sans MS"/>
-              </a:rPr>
-              <a:t> </a:t>
-            </a:r>
-            <a:r>
-              <a:rPr lang="en-US" dirty="0" smtClean="0">
-                <a:latin typeface="Comic Sans MS"/>
-                <a:cs typeface="Comic Sans MS"/>
-              </a:rPr>
-              <a:t>2 </a:t>
-            </a:r>
-            <a:endParaRPr lang="en-US" dirty="0">
-              <a:latin typeface="Comic Sans MS"/>
-              <a:cs typeface="Comic Sans MS"/>
-            </a:endParaRPr>
+              <a:rPr lang="en-US" dirty="0">
+                <a:latin typeface="Comic Sans MS"/>
+                <a:cs typeface="Comic Sans MS"/>
+              </a:rPr>
+              <a:t> 2 </a:t>
+            </a:r>
           </a:p>
         </p:txBody>
       </p:sp>
@@ -5263,21 +5072,14 @@
           <a:lstStyle/>
           <a:p>
             <a:r>
-              <a:rPr lang="nl-NL" dirty="0" smtClean="0">
-                <a:latin typeface="Comic Sans MS"/>
-                <a:cs typeface="Comic Sans MS"/>
-              </a:rPr>
-              <a:t>Klik op </a:t>
-            </a:r>
-            <a:r>
-              <a:rPr lang="nl-NL" dirty="0" smtClean="0">
-                <a:latin typeface="Comic Sans MS"/>
-                <a:cs typeface="Comic Sans MS"/>
-              </a:rPr>
-              <a:t>‘</a:t>
-            </a:r>
-            <a:r>
-              <a:rPr lang="nl-NL" dirty="0" smtClean="0">
+              <a:rPr lang="nl-NL" dirty="0">
+                <a:latin typeface="Comic Sans MS"/>
+                <a:cs typeface="Comic Sans MS"/>
+              </a:rPr>
+              <a:t>Klik op ‘</a:t>
+            </a:r>
+            <a:r>
+              <a:rPr lang="nl-NL" dirty="0">
                 <a:solidFill>
                   <a:srgbClr val="AC18B9"/>
                 </a:solidFill>
@@ -5287,18 +5089,11 @@
               <a:t>Geluid</a:t>
             </a:r>
             <a:r>
-              <a:rPr lang="nl-NL" dirty="0" smtClean="0">
-                <a:latin typeface="Comic Sans MS"/>
-                <a:cs typeface="Comic Sans MS"/>
-              </a:rPr>
-              <a:t>’ </a:t>
-            </a:r>
-            <a:r>
-              <a:rPr lang="nl-NL" dirty="0" smtClean="0">
-                <a:latin typeface="Comic Sans MS"/>
-                <a:cs typeface="Comic Sans MS"/>
-              </a:rPr>
-              <a:t>bouwstenen.</a:t>
+              <a:rPr lang="nl-NL" dirty="0">
+                <a:latin typeface="Comic Sans MS"/>
+                <a:cs typeface="Comic Sans MS"/>
+              </a:rPr>
+              <a:t>’ bouwstenen.</a:t>
             </a:r>
           </a:p>
           <a:p>
@@ -5309,21 +5104,14 @@
           </a:p>
           <a:p>
             <a:r>
-              <a:rPr lang="nl-NL" dirty="0" smtClean="0">
-                <a:latin typeface="Comic Sans MS"/>
-                <a:cs typeface="Comic Sans MS"/>
-              </a:rPr>
-              <a:t>Sleep dan de bouwsteen </a:t>
-            </a:r>
-            <a:r>
-              <a:rPr lang="nl-NL" dirty="0" smtClean="0">
-                <a:latin typeface="Comic Sans MS"/>
-                <a:cs typeface="Comic Sans MS"/>
-              </a:rPr>
-              <a:t>‘</a:t>
-            </a:r>
-            <a:r>
-              <a:rPr lang="nl-NL" dirty="0" smtClean="0">
+              <a:rPr lang="nl-NL" dirty="0">
+                <a:latin typeface="Comic Sans MS"/>
+                <a:cs typeface="Comic Sans MS"/>
+              </a:rPr>
+              <a:t>Sleep dan de bouwsteen ‘</a:t>
+            </a:r>
+            <a:r>
+              <a:rPr lang="nl-NL" dirty="0">
                 <a:solidFill>
                   <a:srgbClr val="AC18B9"/>
                 </a:solidFill>
@@ -5333,46 +5121,11 @@
               <a:t>start geluid miauw</a:t>
             </a:r>
             <a:r>
-              <a:rPr lang="nl-NL" dirty="0" smtClean="0">
-                <a:latin typeface="Comic Sans MS"/>
-                <a:cs typeface="Comic Sans MS"/>
-              </a:rPr>
-              <a:t>’ </a:t>
-            </a:r>
-            <a:r>
-              <a:rPr lang="nl-NL" dirty="0" smtClean="0">
-                <a:latin typeface="Comic Sans MS"/>
-                <a:cs typeface="Comic Sans MS"/>
-              </a:rPr>
-              <a:t>naar het programma </a:t>
-            </a:r>
-            <a:r>
-              <a:rPr lang="nl-NL" dirty="0" smtClean="0">
-                <a:latin typeface="Comic Sans MS"/>
-                <a:cs typeface="Comic Sans MS"/>
-              </a:rPr>
-              <a:t>veld</a:t>
-            </a:r>
-            <a:r>
-              <a:rPr lang="nl-NL" dirty="0">
-                <a:latin typeface="Comic Sans MS"/>
-                <a:cs typeface="Comic Sans MS"/>
-              </a:rPr>
-              <a:t> </a:t>
-            </a:r>
-            <a:r>
-              <a:rPr lang="nl-NL" dirty="0" smtClean="0">
-                <a:latin typeface="Comic Sans MS"/>
-                <a:cs typeface="Comic Sans MS"/>
-              </a:rPr>
-              <a:t>en plaats deze tussen de bouwsteen </a:t>
-            </a:r>
-            <a:r>
-              <a:rPr lang="nl-NL" dirty="0">
-                <a:latin typeface="Comic Sans MS"/>
-                <a:cs typeface="Comic Sans MS"/>
-              </a:rPr>
-              <a:t>‘</a:t>
+              <a:rPr lang="nl-NL" dirty="0">
+                <a:latin typeface="Comic Sans MS"/>
+                <a:cs typeface="Comic Sans MS"/>
+              </a:rPr>
+              <a:t>’ naar het programma veld en plaats deze tussen de bouwsteen ‘</a:t>
             </a:r>
             <a:r>
               <a:rPr lang="nl-NL" dirty="0">
@@ -5385,7 +5138,7 @@
               <a:t>als &lt;&gt; dan</a:t>
             </a:r>
             <a:r>
-              <a:rPr lang="nl-NL" dirty="0" smtClean="0">
+              <a:rPr lang="nl-NL" dirty="0">
                 <a:latin typeface="Comic Sans MS"/>
                 <a:cs typeface="Comic Sans MS"/>
               </a:rPr>
@@ -5396,30 +5149,32 @@
       </p:sp>
       <p:pic>
         <p:nvPicPr>
-          <p:cNvPr id="6" name="Content Placeholder 5" descr="Screen Shot 2015-09-10 at 09.37.18.png"/>
-          <p:cNvPicPr>
-            <a:picLocks noGrp="1" noChangeAspect="1"/>
-          </p:cNvPicPr>
-          <p:nvPr>
-            <p:ph idx="1"/>
-          </p:nvPr>
-        </p:nvPicPr>
-        <p:blipFill rotWithShape="1">
-          <a:blip r:embed="rId2">
+          <p:cNvPr id="8" name="Picture 7">
             <a:extLst>
-              <a:ext uri="{28A0092B-C50C-407E-A947-70E740481C1C}">
-                <a14:useLocalDpi xmlns:a14="http://schemas.microsoft.com/office/drawing/2010/main" val="0"/>
+              <a:ext uri="{FF2B5EF4-FFF2-40B4-BE49-F238E27FC236}">
+                <a16:creationId xmlns:a16="http://schemas.microsoft.com/office/drawing/2014/main" id="{83B01531-707A-6F47-943D-5DFE8ADD77F6}"/>
               </a:ext>
             </a:extLst>
-          </a:blip>
-          <a:srcRect t="-1699" b="-1160"/>
-          <a:stretch/>
+          </p:cNvPr>
+          <p:cNvPicPr>
+            <a:picLocks noChangeAspect="1"/>
+          </p:cNvPicPr>
+          <p:nvPr/>
+        </p:nvPicPr>
+        <p:blipFill>
+          <a:blip r:embed="rId2"/>
+          <a:stretch>
+            <a:fillRect/>
+          </a:stretch>
         </p:blipFill>
         <p:spPr>
           <a:xfrm>
-            <a:off x="4063999" y="1911048"/>
-            <a:ext cx="4721107" cy="3410857"/>
-          </a:xfrm>
+            <a:off x="4086767" y="2002536"/>
+            <a:ext cx="4698339" cy="2935478"/>
+          </a:xfrm>
+          <a:prstGeom prst="rect">
+            <a:avLst/>
+          </a:prstGeom>
         </p:spPr>
       </p:pic>
     </p:spTree>
@@ -5432,13 +5187,6 @@
   <p:clrMapOvr>
     <a:masterClrMapping/>
   </p:clrMapOvr>
-  <p:timing>
-    <p:tnLst>
-      <p:par>
-        <p:cTn xmlns:p14="http://schemas.microsoft.com/office/powerpoint/2010/main" id="1" dur="indefinite" restart="never" nodeType="tmRoot"/>
-      </p:par>
-    </p:tnLst>
-  </p:timing>
 </p:sld>
 </file>
 
@@ -5481,30 +5229,19 @@
           <a:p>
             <a:pPr algn="l"/>
             <a:r>
-              <a:rPr lang="en-US" dirty="0" err="1" smtClean="0">
+              <a:rPr lang="en-US" dirty="0" err="1">
                 <a:latin typeface="Comic Sans MS"/>
                 <a:cs typeface="Comic Sans MS"/>
               </a:rPr>
               <a:t>Opdracht</a:t>
             </a:r>
             <a:r>
-              <a:rPr lang="en-US" dirty="0" smtClean="0">
-                <a:latin typeface="Comic Sans MS"/>
-                <a:cs typeface="Comic Sans MS"/>
-              </a:rPr>
-              <a:t> </a:t>
-            </a:r>
-            <a:r>
-              <a:rPr lang="en-US" dirty="0" smtClean="0">
-                <a:latin typeface="Comic Sans MS"/>
-                <a:cs typeface="Comic Sans MS"/>
-              </a:rPr>
-              <a:t>2 </a:t>
-            </a:r>
-            <a:endParaRPr lang="en-US" dirty="0">
-              <a:latin typeface="Comic Sans MS"/>
-              <a:cs typeface="Comic Sans MS"/>
-            </a:endParaRPr>
+              <a:rPr lang="en-US" dirty="0">
+                <a:latin typeface="Comic Sans MS"/>
+                <a:cs typeface="Comic Sans MS"/>
+              </a:rPr>
+              <a:t> 2 </a:t>
+            </a:r>
           </a:p>
         </p:txBody>
       </p:sp>
@@ -5576,21 +5313,14 @@
           <a:lstStyle/>
           <a:p>
             <a:r>
-              <a:rPr lang="nl-NL" dirty="0" smtClean="0">
-                <a:latin typeface="Comic Sans MS"/>
-                <a:cs typeface="Comic Sans MS"/>
-              </a:rPr>
-              <a:t>Klik op </a:t>
-            </a:r>
-            <a:r>
-              <a:rPr lang="nl-NL" dirty="0" smtClean="0">
-                <a:latin typeface="Comic Sans MS"/>
-                <a:cs typeface="Comic Sans MS"/>
-              </a:rPr>
-              <a:t>‘</a:t>
-            </a:r>
-            <a:r>
-              <a:rPr lang="nl-NL" dirty="0" smtClean="0">
+              <a:rPr lang="nl-NL" dirty="0">
+                <a:latin typeface="Comic Sans MS"/>
+                <a:cs typeface="Comic Sans MS"/>
+              </a:rPr>
+              <a:t>Klik op ‘</a:t>
+            </a:r>
+            <a:r>
+              <a:rPr lang="nl-NL" dirty="0">
                 <a:solidFill>
                   <a:srgbClr val="BC711C"/>
                 </a:solidFill>
@@ -5600,18 +5330,11 @@
               <a:t>Besturen</a:t>
             </a:r>
             <a:r>
-              <a:rPr lang="nl-NL" dirty="0" smtClean="0">
-                <a:latin typeface="Comic Sans MS"/>
-                <a:cs typeface="Comic Sans MS"/>
-              </a:rPr>
-              <a:t>’ </a:t>
-            </a:r>
-            <a:r>
-              <a:rPr lang="nl-NL" dirty="0" smtClean="0">
-                <a:latin typeface="Comic Sans MS"/>
-                <a:cs typeface="Comic Sans MS"/>
-              </a:rPr>
-              <a:t>bouwstenen.</a:t>
+              <a:rPr lang="nl-NL" dirty="0">
+                <a:latin typeface="Comic Sans MS"/>
+                <a:cs typeface="Comic Sans MS"/>
+              </a:rPr>
+              <a:t>’ bouwstenen.</a:t>
             </a:r>
           </a:p>
           <a:p>
@@ -5622,21 +5345,14 @@
           </a:p>
           <a:p>
             <a:r>
-              <a:rPr lang="nl-NL" dirty="0" smtClean="0">
-                <a:latin typeface="Comic Sans MS"/>
-                <a:cs typeface="Comic Sans MS"/>
-              </a:rPr>
-              <a:t>Sleep dan de bouwsteen </a:t>
-            </a:r>
-            <a:r>
-              <a:rPr lang="nl-NL" dirty="0" smtClean="0">
-                <a:latin typeface="Comic Sans MS"/>
-                <a:cs typeface="Comic Sans MS"/>
-              </a:rPr>
-              <a:t>‘</a:t>
-            </a:r>
-            <a:r>
-              <a:rPr lang="nl-NL" dirty="0" smtClean="0">
+              <a:rPr lang="nl-NL" dirty="0">
+                <a:latin typeface="Comic Sans MS"/>
+                <a:cs typeface="Comic Sans MS"/>
+              </a:rPr>
+              <a:t>Sleep dan de bouwsteen ‘</a:t>
+            </a:r>
+            <a:r>
+              <a:rPr lang="nl-NL" dirty="0">
                 <a:solidFill>
                   <a:srgbClr val="BC711C"/>
                 </a:solidFill>
@@ -5646,46 +5362,11 @@
               <a:t>wacht 1 sec.</a:t>
             </a:r>
             <a:r>
-              <a:rPr lang="nl-NL" dirty="0" smtClean="0">
-                <a:latin typeface="Comic Sans MS"/>
-                <a:cs typeface="Comic Sans MS"/>
-              </a:rPr>
-              <a:t>’ </a:t>
-            </a:r>
-            <a:r>
-              <a:rPr lang="nl-NL" dirty="0" smtClean="0">
-                <a:latin typeface="Comic Sans MS"/>
-                <a:cs typeface="Comic Sans MS"/>
-              </a:rPr>
-              <a:t>naar het programma </a:t>
-            </a:r>
-            <a:r>
-              <a:rPr lang="nl-NL" dirty="0" smtClean="0">
-                <a:latin typeface="Comic Sans MS"/>
-                <a:cs typeface="Comic Sans MS"/>
-              </a:rPr>
-              <a:t>veld</a:t>
-            </a:r>
-            <a:r>
-              <a:rPr lang="nl-NL" dirty="0">
-                <a:latin typeface="Comic Sans MS"/>
-                <a:cs typeface="Comic Sans MS"/>
-              </a:rPr>
-              <a:t> </a:t>
-            </a:r>
-            <a:r>
-              <a:rPr lang="nl-NL" dirty="0" smtClean="0">
-                <a:latin typeface="Comic Sans MS"/>
-                <a:cs typeface="Comic Sans MS"/>
-              </a:rPr>
-              <a:t>en plaats deze onder de bouwsteen </a:t>
-            </a:r>
-            <a:r>
-              <a:rPr lang="nl-NL" dirty="0">
-                <a:latin typeface="Comic Sans MS"/>
-                <a:cs typeface="Comic Sans MS"/>
-              </a:rPr>
-              <a:t>‘</a:t>
+              <a:rPr lang="nl-NL" dirty="0">
+                <a:latin typeface="Comic Sans MS"/>
+                <a:cs typeface="Comic Sans MS"/>
+              </a:rPr>
+              <a:t>’ naar het programma veld en plaats deze onder de bouwsteen ‘</a:t>
             </a:r>
             <a:r>
               <a:rPr lang="nl-NL" dirty="0">
@@ -5702,46 +5383,66 @@
                 <a:latin typeface="Comic Sans MS"/>
                 <a:cs typeface="Comic Sans MS"/>
               </a:rPr>
-              <a:t>’</a:t>
-            </a:r>
-            <a:r>
-              <a:rPr lang="nl-NL" dirty="0" smtClean="0">
-                <a:latin typeface="Comic Sans MS"/>
-                <a:cs typeface="Comic Sans MS"/>
-              </a:rPr>
-              <a:t>.</a:t>
+              <a:t>’.</a:t>
             </a:r>
           </a:p>
         </p:txBody>
       </p:sp>
       <p:pic>
         <p:nvPicPr>
-          <p:cNvPr id="8" name="Content Placeholder 7" descr="Screen Shot 2015-09-10 at 09.37.31.png"/>
-          <p:cNvPicPr>
-            <a:picLocks noGrp="1" noChangeAspect="1"/>
-          </p:cNvPicPr>
-          <p:nvPr>
-            <p:ph idx="1"/>
-          </p:nvPr>
-        </p:nvPicPr>
-        <p:blipFill rotWithShape="1">
-          <a:blip r:embed="rId2">
+          <p:cNvPr id="6" name="Picture 5">
             <a:extLst>
-              <a:ext uri="{28A0092B-C50C-407E-A947-70E740481C1C}">
-                <a14:useLocalDpi xmlns:a14="http://schemas.microsoft.com/office/drawing/2010/main" val="0"/>
+              <a:ext uri="{FF2B5EF4-FFF2-40B4-BE49-F238E27FC236}">
+                <a16:creationId xmlns:a16="http://schemas.microsoft.com/office/drawing/2014/main" id="{80E977F4-9197-A841-BC30-BBE2738F53CC}"/>
               </a:ext>
             </a:extLst>
-          </a:blip>
-          <a:srcRect t="-530" b="-589"/>
-          <a:stretch/>
+          </p:cNvPr>
+          <p:cNvPicPr>
+            <a:picLocks noChangeAspect="1"/>
+          </p:cNvPicPr>
+          <p:nvPr/>
+        </p:nvPicPr>
+        <p:blipFill>
+          <a:blip r:embed="rId2"/>
+          <a:stretch>
+            <a:fillRect/>
+          </a:stretch>
         </p:blipFill>
         <p:spPr>
           <a:xfrm>
-            <a:off x="4063999" y="1911047"/>
-            <a:ext cx="4723353" cy="3604381"/>
-          </a:xfrm>
+            <a:off x="4063998" y="1967181"/>
+            <a:ext cx="4690140" cy="3043682"/>
+          </a:xfrm>
+          <a:prstGeom prst="rect">
+            <a:avLst/>
+          </a:prstGeom>
         </p:spPr>
       </p:pic>
+      <p:sp>
+        <p:nvSpPr>
+          <p:cNvPr id="10" name="Content Placeholder 9">
+            <a:extLst>
+              <a:ext uri="{FF2B5EF4-FFF2-40B4-BE49-F238E27FC236}">
+                <a16:creationId xmlns:a16="http://schemas.microsoft.com/office/drawing/2014/main" id="{76C83EAA-EB57-5144-A0E6-2BA8FA8177F1}"/>
+              </a:ext>
+            </a:extLst>
+          </p:cNvPr>
+          <p:cNvSpPr>
+            <a:spLocks noGrp="1"/>
+          </p:cNvSpPr>
+          <p:nvPr>
+            <p:ph idx="1"/>
+          </p:nvPr>
+        </p:nvSpPr>
+        <p:spPr/>
+        <p:txBody>
+          <a:bodyPr/>
+          <a:lstStyle/>
+          <a:p>
+            <a:endParaRPr lang="en-US" dirty="0"/>
+          </a:p>
+        </p:txBody>
+      </p:sp>
     </p:spTree>
     <p:extLst>
       <p:ext uri="{BB962C8B-B14F-4D97-AF65-F5344CB8AC3E}">
@@ -5752,13 +5453,6 @@
   <p:clrMapOvr>
     <a:masterClrMapping/>
   </p:clrMapOvr>
-  <p:timing>
-    <p:tnLst>
-      <p:par>
-        <p:cTn xmlns:p14="http://schemas.microsoft.com/office/powerpoint/2010/main" id="1" dur="indefinite" restart="never" nodeType="tmRoot"/>
-      </p:par>
-    </p:tnLst>
-  </p:timing>
 </p:sld>
 </file>
 
@@ -5779,6 +5473,35 @@
           <a:chExt cx="0" cy="0"/>
         </a:xfrm>
       </p:grpSpPr>
+      <p:pic>
+        <p:nvPicPr>
+          <p:cNvPr id="10" name="Content Placeholder 9">
+            <a:extLst>
+              <a:ext uri="{FF2B5EF4-FFF2-40B4-BE49-F238E27FC236}">
+                <a16:creationId xmlns:a16="http://schemas.microsoft.com/office/drawing/2014/main" id="{A7CF413B-E6F4-034B-866D-12E9484FF2A3}"/>
+              </a:ext>
+            </a:extLst>
+          </p:cNvPr>
+          <p:cNvPicPr>
+            <a:picLocks noGrp="1" noChangeAspect="1"/>
+          </p:cNvPicPr>
+          <p:nvPr>
+            <p:ph idx="1"/>
+          </p:nvPr>
+        </p:nvPicPr>
+        <p:blipFill>
+          <a:blip r:embed="rId2"/>
+          <a:stretch>
+            <a:fillRect/>
+          </a:stretch>
+        </p:blipFill>
+        <p:spPr>
+          <a:xfrm>
+            <a:off x="923543" y="2422000"/>
+            <a:ext cx="6074789" cy="3764658"/>
+          </a:xfrm>
+        </p:spPr>
+      </p:pic>
       <p:sp>
         <p:nvSpPr>
           <p:cNvPr id="2" name="Title 1"/>
@@ -5801,30 +5524,19 @@
           <a:p>
             <a:pPr algn="l"/>
             <a:r>
-              <a:rPr lang="en-US" dirty="0" err="1" smtClean="0">
+              <a:rPr lang="en-US" dirty="0" err="1">
                 <a:latin typeface="Comic Sans MS"/>
                 <a:cs typeface="Comic Sans MS"/>
               </a:rPr>
               <a:t>Opdracht</a:t>
             </a:r>
             <a:r>
-              <a:rPr lang="en-US" dirty="0" smtClean="0">
-                <a:latin typeface="Comic Sans MS"/>
-                <a:cs typeface="Comic Sans MS"/>
-              </a:rPr>
-              <a:t> </a:t>
-            </a:r>
-            <a:r>
-              <a:rPr lang="en-US" dirty="0" smtClean="0">
-                <a:latin typeface="Comic Sans MS"/>
-                <a:cs typeface="Comic Sans MS"/>
-              </a:rPr>
-              <a:t>2 </a:t>
-            </a:r>
-            <a:endParaRPr lang="en-US" dirty="0">
-              <a:latin typeface="Comic Sans MS"/>
-              <a:cs typeface="Comic Sans MS"/>
-            </a:endParaRPr>
+              <a:rPr lang="en-US" dirty="0">
+                <a:latin typeface="Comic Sans MS"/>
+                <a:cs typeface="Comic Sans MS"/>
+              </a:rPr>
+              <a:t> 2 </a:t>
+            </a:r>
           </a:p>
         </p:txBody>
       </p:sp>
@@ -5896,105 +5608,57 @@
           <a:lstStyle/>
           <a:p>
             <a:r>
-              <a:rPr lang="nl-NL" dirty="0" smtClean="0">
-                <a:latin typeface="Comic Sans MS"/>
-                <a:cs typeface="Comic Sans MS"/>
-              </a:rPr>
-              <a:t>Klik nu op de groene </a:t>
-            </a:r>
-            <a:r>
-              <a:rPr lang="nl-NL" dirty="0" smtClean="0">
-                <a:latin typeface="Comic Sans MS"/>
-                <a:cs typeface="Comic Sans MS"/>
-              </a:rPr>
-              <a:t>vlag. Wanneer je nu met je hand </a:t>
-            </a:r>
-            <a:r>
-              <a:rPr lang="nl-NL" dirty="0" smtClean="0">
-                <a:latin typeface="Comic Sans MS"/>
-                <a:cs typeface="Comic Sans MS"/>
-              </a:rPr>
-              <a:t>boven de </a:t>
-            </a:r>
-            <a:r>
-              <a:rPr lang="nl-NL" dirty="0" err="1" smtClean="0">
+              <a:rPr lang="nl-NL" dirty="0">
+                <a:latin typeface="Comic Sans MS"/>
+                <a:cs typeface="Comic Sans MS"/>
+              </a:rPr>
+              <a:t>Klik nu op de groene vlag. Wanneer je nu met je hand boven de </a:t>
+            </a:r>
+            <a:r>
+              <a:rPr lang="nl-NL" dirty="0" err="1">
                 <a:latin typeface="Comic Sans MS"/>
                 <a:cs typeface="Comic Sans MS"/>
               </a:rPr>
               <a:t>leap</a:t>
             </a:r>
             <a:r>
-              <a:rPr lang="nl-NL" dirty="0" smtClean="0">
+              <a:rPr lang="nl-NL" dirty="0">
                 <a:latin typeface="Comic Sans MS"/>
                 <a:cs typeface="Comic Sans MS"/>
               </a:rPr>
               <a:t> motion beweegt, zal de </a:t>
             </a:r>
             <a:r>
-              <a:rPr lang="nl-NL" dirty="0" err="1" smtClean="0">
+              <a:rPr lang="nl-NL" dirty="0" err="1">
                 <a:latin typeface="Comic Sans MS"/>
                 <a:cs typeface="Comic Sans MS"/>
               </a:rPr>
               <a:t>sprite</a:t>
             </a:r>
             <a:r>
-              <a:rPr lang="nl-NL" dirty="0" smtClean="0">
+              <a:rPr lang="nl-NL" dirty="0">
                 <a:latin typeface="Comic Sans MS"/>
                 <a:cs typeface="Comic Sans MS"/>
               </a:rPr>
               <a:t> je hand volgen. Wanneer de </a:t>
             </a:r>
             <a:r>
-              <a:rPr lang="nl-NL" dirty="0" err="1" smtClean="0">
+              <a:rPr lang="nl-NL" dirty="0" err="1">
                 <a:latin typeface="Comic Sans MS"/>
                 <a:cs typeface="Comic Sans MS"/>
               </a:rPr>
               <a:t>sprite</a:t>
             </a:r>
             <a:r>
-              <a:rPr lang="nl-NL" dirty="0" smtClean="0">
+              <a:rPr lang="nl-NL" dirty="0">
                 <a:latin typeface="Comic Sans MS"/>
                 <a:cs typeface="Comic Sans MS"/>
               </a:rPr>
               <a:t> de rand raakt, zal je een miauw geluid horen.</a:t>
             </a:r>
-            <a:endParaRPr lang="nl-NL" dirty="0">
-              <a:latin typeface="Comic Sans MS"/>
-              <a:cs typeface="Comic Sans MS"/>
-            </a:endParaRPr>
-          </a:p>
-        </p:txBody>
-      </p:sp>
-      <p:pic>
-        <p:nvPicPr>
-          <p:cNvPr id="11" name="Content Placeholder 10" descr="Screen Shot 2015-09-10 at 10.27.13.png"/>
-          <p:cNvPicPr>
-            <a:picLocks noGrp="1" noChangeAspect="1"/>
-          </p:cNvPicPr>
-          <p:nvPr>
-            <p:ph idx="1"/>
-          </p:nvPr>
-        </p:nvPicPr>
-        <p:blipFill>
-          <a:blip r:embed="rId2">
-            <a:extLst>
-              <a:ext uri="{28A0092B-C50C-407E-A947-70E740481C1C}">
-                <a14:useLocalDpi xmlns:a14="http://schemas.microsoft.com/office/drawing/2010/main" val="0"/>
-              </a:ext>
-            </a:extLst>
-          </a:blip>
-          <a:srcRect t="6673" b="6673"/>
-          <a:stretch>
-            <a:fillRect/>
-          </a:stretch>
-        </p:blipFill>
-        <p:spPr>
-          <a:xfrm>
-            <a:off x="1294191" y="2349471"/>
-            <a:ext cx="6666895" cy="3666535"/>
-          </a:xfrm>
-        </p:spPr>
-      </p:pic>
+          </a:p>
+        </p:txBody>
+      </p:sp>
       <p:sp>
         <p:nvSpPr>
           <p:cNvPr id="7" name="Rounded Rectangle 6"/>
@@ -6003,8 +5667,8 @@
         </p:nvSpPr>
         <p:spPr>
           <a:xfrm>
-            <a:off x="3220962" y="2349471"/>
-            <a:ext cx="568476" cy="391822"/>
+            <a:off x="2898648" y="2849778"/>
+            <a:ext cx="369160" cy="391822"/>
           </a:xfrm>
           <a:prstGeom prst="roundRect">
             <a:avLst/>
@@ -6049,13 +5713,6 @@
   <p:clrMapOvr>
     <a:masterClrMapping/>
   </p:clrMapOvr>
-  <p:timing>
-    <p:tnLst>
-      <p:par>
-        <p:cTn xmlns:p14="http://schemas.microsoft.com/office/powerpoint/2010/main" id="1" dur="indefinite" restart="never" nodeType="tmRoot"/>
-      </p:par>
-    </p:tnLst>
-  </p:timing>
 </p:sld>
 </file>
 
@@ -6098,30 +5755,19 @@
           <a:p>
             <a:pPr algn="l"/>
             <a:r>
-              <a:rPr lang="en-US" dirty="0" err="1" smtClean="0">
+              <a:rPr lang="en-US" dirty="0" err="1">
                 <a:latin typeface="Comic Sans MS"/>
                 <a:cs typeface="Comic Sans MS"/>
               </a:rPr>
               <a:t>Opdracht</a:t>
             </a:r>
             <a:r>
-              <a:rPr lang="en-US" dirty="0" smtClean="0">
-                <a:latin typeface="Comic Sans MS"/>
-                <a:cs typeface="Comic Sans MS"/>
-              </a:rPr>
-              <a:t> </a:t>
-            </a:r>
-            <a:r>
-              <a:rPr lang="en-US" dirty="0" smtClean="0">
-                <a:latin typeface="Comic Sans MS"/>
-                <a:cs typeface="Comic Sans MS"/>
-              </a:rPr>
-              <a:t>2 </a:t>
-            </a:r>
-            <a:endParaRPr lang="en-US" dirty="0">
-              <a:latin typeface="Comic Sans MS"/>
-              <a:cs typeface="Comic Sans MS"/>
-            </a:endParaRPr>
+              <a:rPr lang="en-US" dirty="0">
+                <a:latin typeface="Comic Sans MS"/>
+                <a:cs typeface="Comic Sans MS"/>
+              </a:rPr>
+              <a:t> 2 </a:t>
+            </a:r>
           </a:p>
         </p:txBody>
       </p:sp>
@@ -6223,58 +5869,25 @@
           <a:lstStyle/>
           <a:p>
             <a:r>
-              <a:rPr lang="nl-NL" dirty="0" smtClean="0">
-                <a:latin typeface="Comic Sans MS"/>
-                <a:cs typeface="Comic Sans MS"/>
-              </a:rPr>
-              <a:t>We </a:t>
-            </a:r>
-            <a:r>
-              <a:rPr lang="nl-NL" dirty="0" smtClean="0">
-                <a:latin typeface="Comic Sans MS"/>
-                <a:cs typeface="Comic Sans MS"/>
-              </a:rPr>
-              <a:t>gaan </a:t>
-            </a:r>
-            <a:r>
-              <a:rPr lang="nl-NL" dirty="0" smtClean="0">
-                <a:latin typeface="Comic Sans MS"/>
-                <a:cs typeface="Comic Sans MS"/>
-              </a:rPr>
-              <a:t>nu zorgen dat de </a:t>
-            </a:r>
-            <a:r>
-              <a:rPr lang="nl-NL" dirty="0" err="1" smtClean="0">
+              <a:rPr lang="nl-NL" dirty="0">
+                <a:latin typeface="Comic Sans MS"/>
+                <a:cs typeface="Comic Sans MS"/>
+              </a:rPr>
+              <a:t>We gaan nu zorgen dat de </a:t>
+            </a:r>
+            <a:r>
+              <a:rPr lang="nl-NL" dirty="0" err="1">
                 <a:latin typeface="Comic Sans MS"/>
                 <a:cs typeface="Comic Sans MS"/>
               </a:rPr>
               <a:t>sprite</a:t>
             </a:r>
             <a:r>
-              <a:rPr lang="nl-NL" dirty="0" smtClean="0">
+              <a:rPr lang="nl-NL" dirty="0">
                 <a:latin typeface="Comic Sans MS"/>
                 <a:cs typeface="Comic Sans MS"/>
               </a:rPr>
               <a:t> onze hand op het scherm zal volgen.</a:t>
-            </a:r>
-            <a:endParaRPr lang="nl-NL" dirty="0" smtClean="0">
-              <a:latin typeface="Comic Sans MS"/>
-              <a:cs typeface="Comic Sans MS"/>
-            </a:endParaRPr>
-          </a:p>
-          <a:p>
-            <a:endParaRPr lang="nl-NL" dirty="0" smtClean="0">
-              <a:latin typeface="Comic Sans MS"/>
-              <a:cs typeface="Comic Sans MS"/>
-            </a:endParaRPr>
-          </a:p>
-          <a:p>
-            <a:r>
-              <a:rPr lang="nl-NL" dirty="0" smtClean="0">
-                <a:latin typeface="Comic Sans MS"/>
-                <a:cs typeface="Comic Sans MS"/>
-              </a:rPr>
-              <a:t>Hiervoor moet je het project ‘opdracht2.sb2’ openen.</a:t>
             </a:r>
           </a:p>
           <a:p>
@@ -6285,11 +5898,11 @@
           </a:p>
           <a:p>
             <a:r>
-              <a:rPr lang="nl-NL" dirty="0" smtClean="0">
-                <a:latin typeface="Comic Sans MS"/>
-                <a:cs typeface="Comic Sans MS"/>
-              </a:rPr>
-              <a:t>Dat doe je door in het menu te kiezen voor:</a:t>
+              <a:rPr lang="nl-NL" dirty="0">
+                <a:latin typeface="Comic Sans MS"/>
+                <a:cs typeface="Comic Sans MS"/>
+              </a:rPr>
+              <a:t>Hiervoor moet je het project ‘opdracht2.sbx’ openen.</a:t>
             </a:r>
           </a:p>
           <a:p>
@@ -6300,18 +5913,11 @@
           </a:p>
           <a:p>
             <a:r>
-              <a:rPr lang="nl-NL" dirty="0" smtClean="0">
-                <a:latin typeface="Comic Sans MS"/>
-                <a:cs typeface="Comic Sans MS"/>
-              </a:rPr>
-              <a:t>Bestand-</a:t>
-            </a:r>
-            <a:r>
-              <a:rPr lang="nl-NL" dirty="0" smtClean="0">
-                <a:latin typeface="Comic Sans MS"/>
-                <a:cs typeface="Comic Sans MS"/>
-              </a:rPr>
-              <a:t>&gt;Open</a:t>
+              <a:rPr lang="nl-NL" dirty="0">
+                <a:latin typeface="Comic Sans MS"/>
+                <a:cs typeface="Comic Sans MS"/>
+              </a:rPr>
+              <a:t>Dat doe je door in het menu te kiezen voor:</a:t>
             </a:r>
           </a:p>
           <a:p>
@@ -6322,16 +5928,27 @@
           </a:p>
           <a:p>
             <a:r>
-              <a:rPr lang="nl-NL" dirty="0" smtClean="0">
-                <a:latin typeface="Comic Sans MS"/>
-                <a:cs typeface="Comic Sans MS"/>
-              </a:rPr>
-              <a:t>En kies dan ‘opdracht2.sb2’</a:t>
-            </a:r>
-            <a:endParaRPr lang="nl-NL" dirty="0" smtClean="0">
+              <a:rPr lang="nl-NL" dirty="0">
+                <a:latin typeface="Comic Sans MS"/>
+                <a:cs typeface="Comic Sans MS"/>
+              </a:rPr>
+              <a:t>Bestand-&gt;Open</a:t>
+            </a:r>
+          </a:p>
+          <a:p>
+            <a:endParaRPr lang="nl-NL" dirty="0">
               <a:latin typeface="Comic Sans MS"/>
               <a:cs typeface="Comic Sans MS"/>
             </a:endParaRPr>
+          </a:p>
+          <a:p>
+            <a:r>
+              <a:rPr lang="nl-NL" dirty="0">
+                <a:latin typeface="Comic Sans MS"/>
+                <a:cs typeface="Comic Sans MS"/>
+              </a:rPr>
+              <a:t>En kies dan ‘opdracht2.sbx’</a:t>
+            </a:r>
           </a:p>
         </p:txBody>
       </p:sp>
@@ -6345,13 +5962,6 @@
   <p:clrMapOvr>
     <a:masterClrMapping/>
   </p:clrMapOvr>
-  <p:timing>
-    <p:tnLst>
-      <p:par>
-        <p:cTn xmlns:p14="http://schemas.microsoft.com/office/powerpoint/2010/main" id="1" dur="indefinite" restart="never" nodeType="tmRoot"/>
-      </p:par>
-    </p:tnLst>
-  </p:timing>
 </p:sld>
 </file>
 
@@ -6394,30 +6004,19 @@
           <a:p>
             <a:pPr algn="l"/>
             <a:r>
-              <a:rPr lang="en-US" dirty="0" err="1" smtClean="0">
+              <a:rPr lang="en-US" dirty="0" err="1">
                 <a:latin typeface="Comic Sans MS"/>
                 <a:cs typeface="Comic Sans MS"/>
               </a:rPr>
               <a:t>Opdracht</a:t>
             </a:r>
             <a:r>
-              <a:rPr lang="en-US" dirty="0" smtClean="0">
-                <a:latin typeface="Comic Sans MS"/>
-                <a:cs typeface="Comic Sans MS"/>
-              </a:rPr>
-              <a:t> </a:t>
-            </a:r>
-            <a:r>
-              <a:rPr lang="en-US" dirty="0" smtClean="0">
-                <a:latin typeface="Comic Sans MS"/>
-                <a:cs typeface="Comic Sans MS"/>
-              </a:rPr>
-              <a:t>2 </a:t>
-            </a:r>
-            <a:endParaRPr lang="en-US" dirty="0">
-              <a:latin typeface="Comic Sans MS"/>
-              <a:cs typeface="Comic Sans MS"/>
-            </a:endParaRPr>
+              <a:rPr lang="en-US" dirty="0">
+                <a:latin typeface="Comic Sans MS"/>
+                <a:cs typeface="Comic Sans MS"/>
+              </a:rPr>
+              <a:t> 2 </a:t>
+            </a:r>
           </a:p>
         </p:txBody>
       </p:sp>
@@ -6489,14 +6088,14 @@
           <a:lstStyle/>
           <a:p>
             <a:r>
-              <a:rPr lang="nl-NL" dirty="0" smtClean="0">
+              <a:rPr lang="nl-NL" dirty="0">
                 <a:latin typeface="Comic Sans MS"/>
                 <a:cs typeface="Comic Sans MS"/>
               </a:rPr>
               <a:t>Klik op ‘</a:t>
             </a:r>
             <a:r>
-              <a:rPr lang="nl-NL" dirty="0" smtClean="0">
+              <a:rPr lang="nl-NL" dirty="0">
                 <a:solidFill>
                   <a:srgbClr val="BC711C"/>
                 </a:solidFill>
@@ -6506,7 +6105,7 @@
               <a:t>Gebeurtenissen</a:t>
             </a:r>
             <a:r>
-              <a:rPr lang="nl-NL" dirty="0" smtClean="0">
+              <a:rPr lang="nl-NL" dirty="0">
                 <a:latin typeface="Comic Sans MS"/>
                 <a:cs typeface="Comic Sans MS"/>
               </a:rPr>
@@ -6521,60 +6120,29 @@
           </a:p>
           <a:p>
             <a:r>
-              <a:rPr lang="nl-NL" dirty="0" smtClean="0">
+              <a:rPr lang="nl-NL" dirty="0">
                 <a:latin typeface="Comic Sans MS"/>
                 <a:cs typeface="Comic Sans MS"/>
               </a:rPr>
               <a:t>Sleep dan de bouwsteen ‘</a:t>
             </a:r>
             <a:r>
-              <a:rPr lang="nl-NL" dirty="0" smtClean="0">
+              <a:rPr lang="nl-NL" dirty="0">
                 <a:solidFill>
                   <a:srgbClr val="BC711C"/>
                 </a:solidFill>
                 <a:latin typeface="Comic Sans MS"/>
                 <a:cs typeface="Comic Sans MS"/>
               </a:rPr>
-              <a:t>wanneer </a:t>
-            </a:r>
-            <a:r>
-              <a:rPr lang="nl-NL" dirty="0" smtClean="0">
-                <a:solidFill>
-                  <a:srgbClr val="BC711C"/>
-                </a:solidFill>
-                <a:latin typeface="Comic Sans MS"/>
-                <a:cs typeface="Comic Sans MS"/>
-              </a:rPr>
-              <a:t>groene vlag </a:t>
-            </a:r>
-            <a:r>
-              <a:rPr lang="nl-NL" dirty="0" smtClean="0">
-                <a:solidFill>
-                  <a:srgbClr val="BC711C"/>
-                </a:solidFill>
-                <a:latin typeface="Comic Sans MS"/>
-                <a:cs typeface="Comic Sans MS"/>
-              </a:rPr>
-              <a:t>wordt aangeklikt</a:t>
-            </a:r>
-            <a:r>
-              <a:rPr lang="nl-NL" dirty="0" smtClean="0">
-                <a:latin typeface="Comic Sans MS"/>
-                <a:cs typeface="Comic Sans MS"/>
-              </a:rPr>
-              <a:t>’ </a:t>
-            </a:r>
-            <a:r>
-              <a:rPr lang="nl-NL" dirty="0" smtClean="0">
-                <a:latin typeface="Comic Sans MS"/>
-                <a:cs typeface="Comic Sans MS"/>
-              </a:rPr>
-              <a:t>naar het programma veld.</a:t>
-            </a:r>
-            <a:endParaRPr lang="nl-NL" dirty="0">
-              <a:latin typeface="Comic Sans MS"/>
-              <a:cs typeface="Comic Sans MS"/>
-            </a:endParaRPr>
+              <a:t>wanneer groene vlag wordt aangeklikt</a:t>
+            </a:r>
+            <a:r>
+              <a:rPr lang="nl-NL" dirty="0">
+                <a:latin typeface="Comic Sans MS"/>
+                <a:cs typeface="Comic Sans MS"/>
+              </a:rPr>
+              <a:t>’ naar het programma veld.</a:t>
+            </a:r>
           </a:p>
         </p:txBody>
       </p:sp>
@@ -6616,13 +6184,6 @@
   <p:clrMapOvr>
     <a:masterClrMapping/>
   </p:clrMapOvr>
-  <p:timing>
-    <p:tnLst>
-      <p:par>
-        <p:cTn xmlns:p14="http://schemas.microsoft.com/office/powerpoint/2010/main" id="1" dur="indefinite" restart="never" nodeType="tmRoot"/>
-      </p:par>
-    </p:tnLst>
-  </p:timing>
 </p:sld>
 </file>
 
@@ -6665,30 +6226,19 @@
           <a:p>
             <a:pPr algn="l"/>
             <a:r>
-              <a:rPr lang="en-US" dirty="0" err="1" smtClean="0">
+              <a:rPr lang="en-US" dirty="0" err="1">
                 <a:latin typeface="Comic Sans MS"/>
                 <a:cs typeface="Comic Sans MS"/>
               </a:rPr>
               <a:t>Opdracht</a:t>
             </a:r>
             <a:r>
-              <a:rPr lang="en-US" dirty="0" smtClean="0">
-                <a:latin typeface="Comic Sans MS"/>
-                <a:cs typeface="Comic Sans MS"/>
-              </a:rPr>
-              <a:t> </a:t>
-            </a:r>
-            <a:r>
-              <a:rPr lang="en-US" dirty="0" smtClean="0">
-                <a:latin typeface="Comic Sans MS"/>
-                <a:cs typeface="Comic Sans MS"/>
-              </a:rPr>
-              <a:t>2 </a:t>
-            </a:r>
-            <a:endParaRPr lang="en-US" dirty="0">
-              <a:latin typeface="Comic Sans MS"/>
-              <a:cs typeface="Comic Sans MS"/>
-            </a:endParaRPr>
+              <a:rPr lang="en-US" dirty="0">
+                <a:latin typeface="Comic Sans MS"/>
+                <a:cs typeface="Comic Sans MS"/>
+              </a:rPr>
+              <a:t> 2 </a:t>
+            </a:r>
           </a:p>
         </p:txBody>
       </p:sp>
@@ -6760,21 +6310,14 @@
           <a:lstStyle/>
           <a:p>
             <a:r>
-              <a:rPr lang="nl-NL" dirty="0" smtClean="0">
-                <a:latin typeface="Comic Sans MS"/>
-                <a:cs typeface="Comic Sans MS"/>
-              </a:rPr>
-              <a:t>Klik op </a:t>
-            </a:r>
-            <a:r>
-              <a:rPr lang="nl-NL" dirty="0" smtClean="0">
-                <a:latin typeface="Comic Sans MS"/>
-                <a:cs typeface="Comic Sans MS"/>
-              </a:rPr>
-              <a:t>‘</a:t>
-            </a:r>
-            <a:r>
-              <a:rPr lang="nl-NL" dirty="0" smtClean="0">
+              <a:rPr lang="nl-NL" dirty="0">
+                <a:latin typeface="Comic Sans MS"/>
+                <a:cs typeface="Comic Sans MS"/>
+              </a:rPr>
+              <a:t>Klik op ‘</a:t>
+            </a:r>
+            <a:r>
+              <a:rPr lang="nl-NL" dirty="0">
                 <a:solidFill>
                   <a:srgbClr val="BC711C"/>
                 </a:solidFill>
@@ -6784,18 +6327,11 @@
               <a:t>Besturen</a:t>
             </a:r>
             <a:r>
-              <a:rPr lang="nl-NL" dirty="0" smtClean="0">
-                <a:latin typeface="Comic Sans MS"/>
-                <a:cs typeface="Comic Sans MS"/>
-              </a:rPr>
-              <a:t>’ </a:t>
-            </a:r>
-            <a:r>
-              <a:rPr lang="nl-NL" dirty="0" smtClean="0">
-                <a:latin typeface="Comic Sans MS"/>
-                <a:cs typeface="Comic Sans MS"/>
-              </a:rPr>
-              <a:t>bouwstenen.</a:t>
+              <a:rPr lang="nl-NL" dirty="0">
+                <a:latin typeface="Comic Sans MS"/>
+                <a:cs typeface="Comic Sans MS"/>
+              </a:rPr>
+              <a:t>’ bouwstenen.</a:t>
             </a:r>
           </a:p>
           <a:p>
@@ -6806,21 +6342,14 @@
           </a:p>
           <a:p>
             <a:r>
-              <a:rPr lang="nl-NL" dirty="0" smtClean="0">
-                <a:latin typeface="Comic Sans MS"/>
-                <a:cs typeface="Comic Sans MS"/>
-              </a:rPr>
-              <a:t>Sleep dan de bouwsteen </a:t>
-            </a:r>
-            <a:r>
-              <a:rPr lang="nl-NL" dirty="0" smtClean="0">
-                <a:latin typeface="Comic Sans MS"/>
-                <a:cs typeface="Comic Sans MS"/>
-              </a:rPr>
-              <a:t>‘</a:t>
-            </a:r>
-            <a:r>
-              <a:rPr lang="nl-NL" dirty="0" smtClean="0">
+              <a:rPr lang="nl-NL" dirty="0">
+                <a:latin typeface="Comic Sans MS"/>
+                <a:cs typeface="Comic Sans MS"/>
+              </a:rPr>
+              <a:t>Sleep dan de bouwsteen ‘</a:t>
+            </a:r>
+            <a:r>
+              <a:rPr lang="nl-NL" dirty="0">
                 <a:solidFill>
                   <a:srgbClr val="BC711C"/>
                 </a:solidFill>
@@ -6830,44 +6359,12 @@
               <a:t>herhaal</a:t>
             </a:r>
             <a:r>
-              <a:rPr lang="nl-NL" dirty="0" smtClean="0">
-                <a:latin typeface="Comic Sans MS"/>
-                <a:cs typeface="Comic Sans MS"/>
-              </a:rPr>
-              <a:t>’ </a:t>
-            </a:r>
-            <a:r>
-              <a:rPr lang="nl-NL" dirty="0" smtClean="0">
-                <a:latin typeface="Comic Sans MS"/>
-                <a:cs typeface="Comic Sans MS"/>
-              </a:rPr>
-              <a:t>naar het programma </a:t>
-            </a:r>
-            <a:r>
-              <a:rPr lang="nl-NL" dirty="0" smtClean="0">
-                <a:latin typeface="Comic Sans MS"/>
-                <a:cs typeface="Comic Sans MS"/>
-              </a:rPr>
-              <a:t>veld</a:t>
-            </a:r>
-            <a:r>
-              <a:rPr lang="nl-NL" dirty="0">
-                <a:latin typeface="Comic Sans MS"/>
-                <a:cs typeface="Comic Sans MS"/>
-              </a:rPr>
-              <a:t> </a:t>
-            </a:r>
-            <a:r>
-              <a:rPr lang="nl-NL" dirty="0" smtClean="0">
-                <a:latin typeface="Comic Sans MS"/>
-                <a:cs typeface="Comic Sans MS"/>
-              </a:rPr>
-              <a:t>en plaats deze onder de vorige bouwsteen</a:t>
-            </a:r>
-            <a:endParaRPr lang="nl-NL" dirty="0">
-              <a:latin typeface="Comic Sans MS"/>
-              <a:cs typeface="Comic Sans MS"/>
-            </a:endParaRPr>
+              <a:rPr lang="nl-NL" dirty="0">
+                <a:latin typeface="Comic Sans MS"/>
+                <a:cs typeface="Comic Sans MS"/>
+              </a:rPr>
+              <a:t>’ naar het programma veld en plaats deze onder de vorige bouwsteen</a:t>
+            </a:r>
           </a:p>
         </p:txBody>
       </p:sp>
@@ -6909,13 +6406,6 @@
   <p:clrMapOvr>
     <a:masterClrMapping/>
   </p:clrMapOvr>
-  <p:timing>
-    <p:tnLst>
-      <p:par>
-        <p:cTn xmlns:p14="http://schemas.microsoft.com/office/powerpoint/2010/main" id="1" dur="indefinite" restart="never" nodeType="tmRoot"/>
-      </p:par>
-    </p:tnLst>
-  </p:timing>
 </p:sld>
 </file>
 
@@ -6958,30 +6448,19 @@
           <a:p>
             <a:pPr algn="l"/>
             <a:r>
-              <a:rPr lang="en-US" dirty="0" err="1" smtClean="0">
+              <a:rPr lang="en-US" dirty="0" err="1">
                 <a:latin typeface="Comic Sans MS"/>
                 <a:cs typeface="Comic Sans MS"/>
               </a:rPr>
               <a:t>Opdracht</a:t>
             </a:r>
             <a:r>
-              <a:rPr lang="en-US" dirty="0" smtClean="0">
-                <a:latin typeface="Comic Sans MS"/>
-                <a:cs typeface="Comic Sans MS"/>
-              </a:rPr>
-              <a:t> </a:t>
-            </a:r>
-            <a:r>
               <a:rPr lang="en-US" dirty="0">
                 <a:latin typeface="Comic Sans MS"/>
                 <a:cs typeface="Comic Sans MS"/>
               </a:rPr>
-              <a:t>2</a:t>
-            </a:r>
-            <a:endParaRPr lang="en-US" dirty="0">
-              <a:latin typeface="Comic Sans MS"/>
-              <a:cs typeface="Comic Sans MS"/>
-            </a:endParaRPr>
+              <a:t> 2</a:t>
+            </a:r>
           </a:p>
         </p:txBody>
       </p:sp>
@@ -7057,17 +6536,10 @@
                 <a:latin typeface="Comic Sans MS"/>
                 <a:cs typeface="Comic Sans MS"/>
               </a:rPr>
-              <a:t>Klik op </a:t>
-            </a:r>
-            <a:r>
-              <a:rPr lang="nl-NL" dirty="0" smtClean="0">
-                <a:latin typeface="Comic Sans MS"/>
-                <a:cs typeface="Comic Sans MS"/>
-              </a:rPr>
-              <a:t>‘</a:t>
-            </a:r>
-            <a:r>
-              <a:rPr lang="nl-NL" dirty="0" smtClean="0">
+              <a:t>Klik op ‘</a:t>
+            </a:r>
+            <a:r>
+              <a:rPr lang="nl-NL" dirty="0">
                 <a:solidFill>
                   <a:srgbClr val="3750CE"/>
                 </a:solidFill>
@@ -7077,50 +6549,29 @@
               <a:t>Beweging</a:t>
             </a:r>
             <a:r>
-              <a:rPr lang="nl-NL" dirty="0" smtClean="0">
-                <a:latin typeface="Comic Sans MS"/>
-                <a:cs typeface="Comic Sans MS"/>
-              </a:rPr>
-              <a:t>’ </a:t>
-            </a:r>
-            <a:r>
-              <a:rPr lang="nl-NL" dirty="0">
-                <a:latin typeface="Comic Sans MS"/>
-                <a:cs typeface="Comic Sans MS"/>
-              </a:rPr>
-              <a:t>bouwstenen</a:t>
-            </a:r>
-            <a:r>
-              <a:rPr lang="nl-NL" dirty="0" smtClean="0">
-                <a:latin typeface="Comic Sans MS"/>
-                <a:cs typeface="Comic Sans MS"/>
-              </a:rPr>
-              <a:t>.</a:t>
-            </a:r>
-          </a:p>
-          <a:p>
-            <a:endParaRPr lang="nl-NL" dirty="0" smtClean="0">
+              <a:rPr lang="nl-NL" dirty="0">
+                <a:latin typeface="Comic Sans MS"/>
+                <a:cs typeface="Comic Sans MS"/>
+              </a:rPr>
+              <a:t>’ bouwstenen.</a:t>
+            </a:r>
+          </a:p>
+          <a:p>
+            <a:endParaRPr lang="nl-NL" dirty="0">
               <a:latin typeface="Comic Sans MS"/>
               <a:cs typeface="Comic Sans MS"/>
             </a:endParaRPr>
           </a:p>
           <a:p>
             <a:r>
-              <a:rPr lang="nl-NL" dirty="0" smtClean="0">
-                <a:latin typeface="Comic Sans MS"/>
-                <a:cs typeface="Comic Sans MS"/>
-              </a:rPr>
-              <a:t>Sleep dan de bouwsteen </a:t>
-            </a:r>
-            <a:r>
-              <a:rPr lang="nl-NL" dirty="0" smtClean="0">
-                <a:latin typeface="Comic Sans MS"/>
-                <a:cs typeface="Comic Sans MS"/>
-              </a:rPr>
-              <a:t>‘</a:t>
-            </a:r>
-            <a:r>
-              <a:rPr lang="nl-NL" dirty="0" smtClean="0">
+              <a:rPr lang="nl-NL" dirty="0">
+                <a:latin typeface="Comic Sans MS"/>
+                <a:cs typeface="Comic Sans MS"/>
+              </a:rPr>
+              <a:t>Sleep dan de bouwsteen ‘</a:t>
+            </a:r>
+            <a:r>
+              <a:rPr lang="nl-NL" dirty="0">
                 <a:solidFill>
                   <a:srgbClr val="3750CE"/>
                 </a:solidFill>
@@ -7130,32 +6581,11 @@
               <a:t>ga naar x: 0 y: 0</a:t>
             </a:r>
             <a:r>
-              <a:rPr lang="nl-NL" dirty="0" smtClean="0">
-                <a:latin typeface="Comic Sans MS"/>
-                <a:cs typeface="Comic Sans MS"/>
-              </a:rPr>
-              <a:t>’ </a:t>
-            </a:r>
-            <a:r>
-              <a:rPr lang="nl-NL" dirty="0" smtClean="0">
-                <a:latin typeface="Comic Sans MS"/>
-                <a:cs typeface="Comic Sans MS"/>
-              </a:rPr>
-              <a:t>naar het programma veld </a:t>
-            </a:r>
-            <a:r>
-              <a:rPr lang="nl-NL" dirty="0" smtClean="0">
-                <a:latin typeface="Comic Sans MS"/>
-                <a:cs typeface="Comic Sans MS"/>
-              </a:rPr>
-              <a:t>en plaats hem in </a:t>
-            </a:r>
-            <a:r>
-              <a:rPr lang="nl-NL" dirty="0">
-                <a:latin typeface="Comic Sans MS"/>
-                <a:cs typeface="Comic Sans MS"/>
-              </a:rPr>
-              <a:t>de bouwsteen ‘</a:t>
+              <a:rPr lang="nl-NL" dirty="0">
+                <a:latin typeface="Comic Sans MS"/>
+                <a:cs typeface="Comic Sans MS"/>
+              </a:rPr>
+              <a:t>’ naar het programma veld en plaats hem in de bouwsteen ‘</a:t>
             </a:r>
             <a:r>
               <a:rPr lang="nl-NL" dirty="0">
@@ -7168,23 +6598,12 @@
               <a:t>herhaal</a:t>
             </a:r>
             <a:r>
-              <a:rPr lang="nl-NL" dirty="0" smtClean="0">
-                <a:latin typeface="Comic Sans MS"/>
-                <a:cs typeface="Comic Sans MS"/>
-              </a:rPr>
-              <a:t>’</a:t>
-            </a:r>
-            <a:r>
-              <a:rPr lang="nl-NL" dirty="0" smtClean="0">
-                <a:latin typeface="Comic Sans MS"/>
-                <a:cs typeface="Comic Sans MS"/>
-              </a:rPr>
-              <a:t>.</a:t>
-            </a:r>
-            <a:endParaRPr lang="nl-NL" dirty="0" smtClean="0">
-              <a:latin typeface="Comic Sans MS"/>
-              <a:cs typeface="Comic Sans MS"/>
-            </a:endParaRPr>
+              <a:rPr lang="nl-NL" dirty="0">
+                <a:latin typeface="Comic Sans MS"/>
+                <a:cs typeface="Comic Sans MS"/>
+              </a:rPr>
+              <a:t>’.</a:t>
+            </a:r>
           </a:p>
           <a:p>
             <a:endParaRPr lang="nl-NL" dirty="0">
@@ -7238,13 +6657,6 @@
   <p:clrMapOvr>
     <a:masterClrMapping/>
   </p:clrMapOvr>
-  <p:timing>
-    <p:tnLst>
-      <p:par>
-        <p:cTn xmlns:p14="http://schemas.microsoft.com/office/powerpoint/2010/main" id="1" dur="indefinite" restart="never" nodeType="tmRoot"/>
-      </p:par>
-    </p:tnLst>
-  </p:timing>
 </p:sld>
 </file>
 
@@ -7287,30 +6699,19 @@
           <a:p>
             <a:pPr algn="l"/>
             <a:r>
-              <a:rPr lang="en-US" dirty="0" err="1" smtClean="0">
+              <a:rPr lang="en-US" dirty="0" err="1">
                 <a:latin typeface="Comic Sans MS"/>
                 <a:cs typeface="Comic Sans MS"/>
               </a:rPr>
               <a:t>Opdracht</a:t>
             </a:r>
             <a:r>
-              <a:rPr lang="en-US" dirty="0" smtClean="0">
-                <a:latin typeface="Comic Sans MS"/>
-                <a:cs typeface="Comic Sans MS"/>
-              </a:rPr>
-              <a:t> </a:t>
-            </a:r>
-            <a:r>
               <a:rPr lang="en-US" dirty="0">
                 <a:latin typeface="Comic Sans MS"/>
                 <a:cs typeface="Comic Sans MS"/>
               </a:rPr>
-              <a:t>2</a:t>
-            </a:r>
-            <a:endParaRPr lang="en-US" dirty="0">
-              <a:latin typeface="Comic Sans MS"/>
-              <a:cs typeface="Comic Sans MS"/>
-            </a:endParaRPr>
+              <a:t> 2</a:t>
+            </a:r>
           </a:p>
         </p:txBody>
       </p:sp>
@@ -7386,136 +6787,24 @@
                 <a:latin typeface="Comic Sans MS"/>
                 <a:cs typeface="Comic Sans MS"/>
               </a:rPr>
-              <a:t>Klik op </a:t>
-            </a:r>
-            <a:r>
-              <a:rPr lang="nl-NL" dirty="0" smtClean="0">
-                <a:latin typeface="Comic Sans MS"/>
-                <a:cs typeface="Comic Sans MS"/>
-              </a:rPr>
-              <a:t>‘</a:t>
-            </a:r>
-            <a:r>
-              <a:rPr lang="nl-NL" dirty="0" smtClean="0">
+              <a:t>Klik op ‘</a:t>
+            </a:r>
+            <a:r>
+              <a:rPr lang="nl-NL" dirty="0">
                 <a:solidFill>
                   <a:srgbClr val="501189"/>
                 </a:solidFill>
                 <a:latin typeface="Comic Sans MS"/>
                 <a:cs typeface="Comic Sans MS"/>
               </a:rPr>
-              <a:t>Beweging</a:t>
-            </a:r>
-            <a:r>
-              <a:rPr lang="nl-NL" dirty="0" smtClean="0">
-                <a:latin typeface="Comic Sans MS"/>
-                <a:cs typeface="Comic Sans MS"/>
-              </a:rPr>
-              <a:t>’ </a:t>
-            </a:r>
-            <a:r>
-              <a:rPr lang="nl-NL" dirty="0">
-                <a:latin typeface="Comic Sans MS"/>
-                <a:cs typeface="Comic Sans MS"/>
-              </a:rPr>
-              <a:t>bouwstenen</a:t>
-            </a:r>
-            <a:r>
-              <a:rPr lang="nl-NL" dirty="0" smtClean="0">
-                <a:latin typeface="Comic Sans MS"/>
-                <a:cs typeface="Comic Sans MS"/>
-              </a:rPr>
-              <a:t>.</a:t>
-            </a:r>
-          </a:p>
-          <a:p>
-            <a:endParaRPr lang="nl-NL" dirty="0" smtClean="0">
-              <a:latin typeface="Comic Sans MS"/>
-              <a:cs typeface="Comic Sans MS"/>
-            </a:endParaRPr>
-          </a:p>
-          <a:p>
-            <a:r>
-              <a:rPr lang="nl-NL" dirty="0" smtClean="0">
-                <a:latin typeface="Comic Sans MS"/>
-                <a:cs typeface="Comic Sans MS"/>
-              </a:rPr>
-              <a:t>Sleep dan de bouwsteen </a:t>
-            </a:r>
-            <a:r>
-              <a:rPr lang="nl-NL" dirty="0" smtClean="0">
-                <a:latin typeface="Comic Sans MS"/>
-                <a:cs typeface="Comic Sans MS"/>
-              </a:rPr>
-              <a:t>‘</a:t>
-            </a:r>
-            <a:r>
-              <a:rPr lang="nl-NL" dirty="0" smtClean="0">
-                <a:solidFill>
-                  <a:srgbClr val="501189"/>
-                </a:solidFill>
-                <a:latin typeface="Comic Sans MS"/>
-                <a:cs typeface="Comic Sans MS"/>
-              </a:rPr>
-              <a:t>Hand-1 X</a:t>
-            </a:r>
-            <a:r>
-              <a:rPr lang="nl-NL" dirty="0" smtClean="0">
-                <a:latin typeface="Comic Sans MS"/>
-                <a:cs typeface="Comic Sans MS"/>
-              </a:rPr>
-              <a:t>’ </a:t>
-            </a:r>
-            <a:r>
-              <a:rPr lang="nl-NL" dirty="0" smtClean="0">
-                <a:latin typeface="Comic Sans MS"/>
-                <a:cs typeface="Comic Sans MS"/>
-              </a:rPr>
-              <a:t>naar het programma veld </a:t>
-            </a:r>
-            <a:r>
-              <a:rPr lang="nl-NL" dirty="0" smtClean="0">
-                <a:latin typeface="Comic Sans MS"/>
-                <a:cs typeface="Comic Sans MS"/>
-              </a:rPr>
-              <a:t>en plaats hem in het x veldje van </a:t>
-            </a:r>
-            <a:r>
-              <a:rPr lang="nl-NL" dirty="0" smtClean="0">
-                <a:latin typeface="Comic Sans MS"/>
-                <a:cs typeface="Comic Sans MS"/>
-              </a:rPr>
-              <a:t>de </a:t>
-            </a:r>
-            <a:r>
-              <a:rPr lang="nl-NL" dirty="0">
-                <a:latin typeface="Comic Sans MS"/>
-                <a:cs typeface="Comic Sans MS"/>
-              </a:rPr>
-              <a:t>bouwsteen ‘</a:t>
-            </a:r>
-            <a:r>
-              <a:rPr lang="nl-NL" dirty="0">
-                <a:solidFill>
-                  <a:srgbClr val="3750CE"/>
-                </a:solidFill>
-                <a:latin typeface="Comic Sans MS"/>
-                <a:cs typeface="Comic Sans MS"/>
-              </a:rPr>
-              <a:t>ga naar x: 0 y: 0</a:t>
-            </a:r>
-            <a:r>
-              <a:rPr lang="nl-NL" dirty="0">
-                <a:latin typeface="Comic Sans MS"/>
-                <a:cs typeface="Comic Sans MS"/>
-              </a:rPr>
-              <a:t>’</a:t>
-            </a:r>
-            <a:r>
-              <a:rPr lang="nl-NL" dirty="0" smtClean="0">
-                <a:latin typeface="Comic Sans MS"/>
-                <a:cs typeface="Comic Sans MS"/>
-              </a:rPr>
-              <a:t>.</a:t>
+              <a:t>Meer blokken</a:t>
+            </a:r>
+            <a:r>
+              <a:rPr lang="nl-NL" dirty="0">
+                <a:latin typeface="Comic Sans MS"/>
+                <a:cs typeface="Comic Sans MS"/>
+              </a:rPr>
+              <a:t>’ bouwstenen.</a:t>
             </a:r>
           </a:p>
           <a:p>
@@ -7526,26 +6815,56 @@
           </a:p>
           <a:p>
             <a:r>
-              <a:rPr lang="nl-NL" dirty="0" smtClean="0">
-                <a:latin typeface="Comic Sans MS"/>
-                <a:cs typeface="Comic Sans MS"/>
-              </a:rPr>
-              <a:t>Doe het zelfde voor ‘</a:t>
-            </a:r>
-            <a:r>
-              <a:rPr lang="nl-NL" dirty="0" smtClean="0">
+              <a:rPr lang="nl-NL" dirty="0">
+                <a:latin typeface="Comic Sans MS"/>
+                <a:cs typeface="Comic Sans MS"/>
+              </a:rPr>
+              <a:t>Sleep dan de bouwsteen ‘</a:t>
+            </a:r>
+            <a:r>
+              <a:rPr lang="nl-NL" dirty="0">
                 <a:solidFill>
                   <a:srgbClr val="501189"/>
                 </a:solidFill>
                 <a:latin typeface="Comic Sans MS"/>
                 <a:cs typeface="Comic Sans MS"/>
               </a:rPr>
-              <a:t>Hand-1 Y’</a:t>
-            </a:r>
-            <a:endParaRPr lang="nl-NL" dirty="0" smtClean="0">
-              <a:latin typeface="Comic Sans MS"/>
-              <a:cs typeface="Comic Sans MS"/>
-            </a:endParaRPr>
+              <a:t>hand A x </a:t>
+            </a:r>
+            <a:r>
+              <a:rPr lang="nl-NL" dirty="0" err="1">
+                <a:solidFill>
+                  <a:srgbClr val="501189"/>
+                </a:solidFill>
+                <a:latin typeface="Comic Sans MS"/>
+                <a:cs typeface="Comic Sans MS"/>
+              </a:rPr>
+              <a:t>position</a:t>
+            </a:r>
+            <a:r>
+              <a:rPr lang="nl-NL" dirty="0">
+                <a:latin typeface="Comic Sans MS"/>
+                <a:cs typeface="Comic Sans MS"/>
+              </a:rPr>
+              <a:t>’ naar het programma veld en plaats hem in het x veldje van de bouwsteen ‘</a:t>
+            </a:r>
+            <a:r>
+              <a:rPr lang="nl-NL" dirty="0">
+                <a:solidFill>
+                  <a:srgbClr val="3750CE"/>
+                </a:solidFill>
+                <a:latin typeface="Comic Sans MS"/>
+                <a:cs typeface="Comic Sans MS"/>
+              </a:rPr>
+              <a:t>ga naar x: 0 y: 0</a:t>
+            </a:r>
+            <a:r>
+              <a:rPr lang="nl-NL" dirty="0">
+                <a:latin typeface="Comic Sans MS"/>
+                <a:cs typeface="Comic Sans MS"/>
+              </a:rPr>
+              <a:t>’.</a:t>
+            </a:r>
           </a:p>
           <a:p>
             <a:endParaRPr lang="nl-NL" dirty="0">
@@ -7554,16 +6873,71 @@
             </a:endParaRPr>
           </a:p>
           <a:p>
+            <a:r>
+              <a:rPr lang="nl-NL" dirty="0">
+                <a:latin typeface="Comic Sans MS"/>
+                <a:cs typeface="Comic Sans MS"/>
+              </a:rPr>
+              <a:t>Doe het zelfde voor ‘</a:t>
+            </a:r>
+            <a:r>
+              <a:rPr lang="nl-NL" dirty="0">
+                <a:solidFill>
+                  <a:srgbClr val="501189"/>
+                </a:solidFill>
+                <a:latin typeface="Comic Sans MS"/>
+                <a:cs typeface="Comic Sans MS"/>
+              </a:rPr>
+              <a:t>hand A y </a:t>
+            </a:r>
+            <a:r>
+              <a:rPr lang="nl-NL" dirty="0" err="1">
+                <a:solidFill>
+                  <a:srgbClr val="501189"/>
+                </a:solidFill>
+                <a:latin typeface="Comic Sans MS"/>
+                <a:cs typeface="Comic Sans MS"/>
+              </a:rPr>
+              <a:t>position</a:t>
+            </a:r>
+            <a:r>
+              <a:rPr lang="nl-NL" dirty="0">
+                <a:solidFill>
+                  <a:srgbClr val="501189"/>
+                </a:solidFill>
+                <a:latin typeface="Comic Sans MS"/>
+                <a:cs typeface="Comic Sans MS"/>
+              </a:rPr>
+              <a:t>’</a:t>
+            </a:r>
             <a:endParaRPr lang="nl-NL" dirty="0">
               <a:latin typeface="Comic Sans MS"/>
               <a:cs typeface="Comic Sans MS"/>
             </a:endParaRPr>
           </a:p>
+          <a:p>
+            <a:endParaRPr lang="nl-NL" dirty="0">
+              <a:latin typeface="Comic Sans MS"/>
+              <a:cs typeface="Comic Sans MS"/>
+            </a:endParaRPr>
+          </a:p>
+          <a:p>
+            <a:endParaRPr lang="nl-NL" dirty="0">
+              <a:latin typeface="Comic Sans MS"/>
+              <a:cs typeface="Comic Sans MS"/>
+            </a:endParaRPr>
+          </a:p>
         </p:txBody>
       </p:sp>
       <p:pic>
         <p:nvPicPr>
-          <p:cNvPr id="8" name="Content Placeholder 7" descr="Screen Shot 2015-09-10 at 09.13.32.png"/>
+          <p:cNvPr id="10" name="Content Placeholder 9">
+            <a:extLst>
+              <a:ext uri="{FF2B5EF4-FFF2-40B4-BE49-F238E27FC236}">
+                <a16:creationId xmlns:a16="http://schemas.microsoft.com/office/drawing/2014/main" id="{E9903BDD-3589-C54D-A247-A04CF5AABB02}"/>
+              </a:ext>
+            </a:extLst>
+          </p:cNvPr>
           <p:cNvPicPr>
             <a:picLocks noGrp="1" noChangeAspect="1"/>
           </p:cNvPicPr>
@@ -7571,21 +6945,16 @@
             <p:ph idx="1"/>
           </p:nvPr>
         </p:nvPicPr>
-        <p:blipFill rotWithShape="1">
-          <a:blip r:embed="rId2">
-            <a:extLst>
-              <a:ext uri="{28A0092B-C50C-407E-A947-70E740481C1C}">
-                <a14:useLocalDpi xmlns:a14="http://schemas.microsoft.com/office/drawing/2010/main" val="0"/>
-              </a:ext>
-            </a:extLst>
-          </a:blip>
-          <a:srcRect t="-1929" b="-1978"/>
-          <a:stretch/>
+        <p:blipFill>
+          <a:blip r:embed="rId2"/>
+          <a:stretch>
+            <a:fillRect/>
+          </a:stretch>
         </p:blipFill>
         <p:spPr>
           <a:xfrm>
-            <a:off x="3568672" y="1778000"/>
-            <a:ext cx="5118127" cy="3756277"/>
+            <a:off x="3921795" y="2029968"/>
+            <a:ext cx="4514245" cy="2925763"/>
           </a:xfrm>
         </p:spPr>
       </p:pic>
@@ -7599,13 +6968,6 @@
   <p:clrMapOvr>
     <a:masterClrMapping/>
   </p:clrMapOvr>
-  <p:timing>
-    <p:tnLst>
-      <p:par>
-        <p:cTn xmlns:p14="http://schemas.microsoft.com/office/powerpoint/2010/main" id="1" dur="indefinite" restart="never" nodeType="tmRoot"/>
-      </p:par>
-    </p:tnLst>
-  </p:timing>
 </p:sld>
 </file>
 
@@ -7626,6 +6988,35 @@
           <a:chExt cx="0" cy="0"/>
         </a:xfrm>
       </p:grpSpPr>
+      <p:pic>
+        <p:nvPicPr>
+          <p:cNvPr id="11" name="Content Placeholder 10">
+            <a:extLst>
+              <a:ext uri="{FF2B5EF4-FFF2-40B4-BE49-F238E27FC236}">
+                <a16:creationId xmlns:a16="http://schemas.microsoft.com/office/drawing/2014/main" id="{28BDC483-DE86-1148-8585-E4D1F1457865}"/>
+              </a:ext>
+            </a:extLst>
+          </p:cNvPr>
+          <p:cNvPicPr>
+            <a:picLocks noGrp="1" noChangeAspect="1"/>
+          </p:cNvPicPr>
+          <p:nvPr>
+            <p:ph idx="1"/>
+          </p:nvPr>
+        </p:nvPicPr>
+        <p:blipFill>
+          <a:blip r:embed="rId2"/>
+          <a:stretch>
+            <a:fillRect/>
+          </a:stretch>
+        </p:blipFill>
+        <p:spPr>
+          <a:xfrm>
+            <a:off x="933776" y="2225157"/>
+            <a:ext cx="6271696" cy="3901006"/>
+          </a:xfrm>
+        </p:spPr>
+      </p:pic>
       <p:sp>
         <p:nvSpPr>
           <p:cNvPr id="2" name="Title 1"/>
@@ -7648,30 +7039,19 @@
           <a:p>
             <a:pPr algn="l"/>
             <a:r>
-              <a:rPr lang="en-US" dirty="0" err="1" smtClean="0">
+              <a:rPr lang="en-US" dirty="0" err="1">
                 <a:latin typeface="Comic Sans MS"/>
                 <a:cs typeface="Comic Sans MS"/>
               </a:rPr>
               <a:t>Opdracht</a:t>
             </a:r>
             <a:r>
-              <a:rPr lang="en-US" dirty="0" smtClean="0">
-                <a:latin typeface="Comic Sans MS"/>
-                <a:cs typeface="Comic Sans MS"/>
-              </a:rPr>
-              <a:t> </a:t>
-            </a:r>
-            <a:r>
-              <a:rPr lang="en-US" dirty="0" smtClean="0">
-                <a:latin typeface="Comic Sans MS"/>
-                <a:cs typeface="Comic Sans MS"/>
-              </a:rPr>
-              <a:t>2 </a:t>
-            </a:r>
-            <a:endParaRPr lang="en-US" dirty="0">
-              <a:latin typeface="Comic Sans MS"/>
-              <a:cs typeface="Comic Sans MS"/>
-            </a:endParaRPr>
+              <a:rPr lang="en-US" dirty="0">
+                <a:latin typeface="Comic Sans MS"/>
+                <a:cs typeface="Comic Sans MS"/>
+              </a:rPr>
+              <a:t> 2 </a:t>
+            </a:r>
           </a:p>
         </p:txBody>
       </p:sp>
@@ -7743,91 +7123,43 @@
           <a:lstStyle/>
           <a:p>
             <a:r>
-              <a:rPr lang="nl-NL" dirty="0" smtClean="0">
-                <a:latin typeface="Comic Sans MS"/>
-                <a:cs typeface="Comic Sans MS"/>
-              </a:rPr>
-              <a:t>Klik nu op de groene </a:t>
-            </a:r>
-            <a:r>
-              <a:rPr lang="nl-NL" dirty="0" smtClean="0">
-                <a:latin typeface="Comic Sans MS"/>
-                <a:cs typeface="Comic Sans MS"/>
-              </a:rPr>
-              <a:t>vlag. Wanneer je nu met je hand </a:t>
-            </a:r>
-            <a:r>
-              <a:rPr lang="nl-NL" dirty="0" smtClean="0">
-                <a:latin typeface="Comic Sans MS"/>
-                <a:cs typeface="Comic Sans MS"/>
-              </a:rPr>
-              <a:t>boven de </a:t>
-            </a:r>
-            <a:r>
-              <a:rPr lang="nl-NL" dirty="0" err="1" smtClean="0">
+              <a:rPr lang="nl-NL" dirty="0">
+                <a:latin typeface="Comic Sans MS"/>
+                <a:cs typeface="Comic Sans MS"/>
+              </a:rPr>
+              <a:t>Klik nu op de groene vlag. Wanneer je nu met je hand boven de </a:t>
+            </a:r>
+            <a:r>
+              <a:rPr lang="nl-NL" dirty="0" err="1">
                 <a:latin typeface="Comic Sans MS"/>
                 <a:cs typeface="Comic Sans MS"/>
               </a:rPr>
               <a:t>leap</a:t>
             </a:r>
             <a:r>
-              <a:rPr lang="nl-NL" dirty="0" smtClean="0">
+              <a:rPr lang="nl-NL" dirty="0">
                 <a:latin typeface="Comic Sans MS"/>
                 <a:cs typeface="Comic Sans MS"/>
               </a:rPr>
               <a:t> motion beweegt, zal de </a:t>
             </a:r>
             <a:r>
-              <a:rPr lang="nl-NL" dirty="0" err="1" smtClean="0">
+              <a:rPr lang="nl-NL" dirty="0" err="1">
                 <a:latin typeface="Comic Sans MS"/>
                 <a:cs typeface="Comic Sans MS"/>
               </a:rPr>
               <a:t>sprite</a:t>
             </a:r>
             <a:r>
-              <a:rPr lang="nl-NL" dirty="0" smtClean="0">
+              <a:rPr lang="nl-NL" dirty="0">
                 <a:latin typeface="Comic Sans MS"/>
                 <a:cs typeface="Comic Sans MS"/>
               </a:rPr>
               <a:t> je hand volgen.</a:t>
             </a:r>
-            <a:endParaRPr lang="nl-NL" dirty="0">
-              <a:latin typeface="Comic Sans MS"/>
-              <a:cs typeface="Comic Sans MS"/>
-            </a:endParaRPr>
-          </a:p>
-        </p:txBody>
-      </p:sp>
-      <p:pic>
-        <p:nvPicPr>
-          <p:cNvPr id="9" name="Content Placeholder 8" descr="Screen Shot 2015-09-10 at 09.23.05.png"/>
-          <p:cNvPicPr>
-            <a:picLocks noGrp="1" noChangeAspect="1"/>
-          </p:cNvPicPr>
-          <p:nvPr>
-            <p:ph idx="1"/>
-          </p:nvPr>
-        </p:nvPicPr>
-        <p:blipFill>
-          <a:blip r:embed="rId2">
-            <a:extLst>
-              <a:ext uri="{28A0092B-C50C-407E-A947-70E740481C1C}">
-                <a14:useLocalDpi xmlns:a14="http://schemas.microsoft.com/office/drawing/2010/main" val="0"/>
-              </a:ext>
-            </a:extLst>
-          </a:blip>
-          <a:srcRect t="6673" b="6673"/>
-          <a:stretch>
-            <a:fillRect/>
-          </a:stretch>
-        </p:blipFill>
-        <p:spPr>
-          <a:xfrm>
-            <a:off x="1221619" y="2326399"/>
-            <a:ext cx="6909148" cy="3799764"/>
-          </a:xfrm>
-        </p:spPr>
-      </p:pic>
+          </a:p>
+        </p:txBody>
+      </p:sp>
       <p:sp>
         <p:nvSpPr>
           <p:cNvPr id="7" name="Rounded Rectangle 6"/>
@@ -7836,8 +7168,8 @@
         </p:nvSpPr>
         <p:spPr>
           <a:xfrm>
-            <a:off x="3220962" y="2349471"/>
-            <a:ext cx="568476" cy="391822"/>
+            <a:off x="2937850" y="2660366"/>
+            <a:ext cx="424868" cy="393729"/>
           </a:xfrm>
           <a:prstGeom prst="roundRect">
             <a:avLst/>
@@ -7882,13 +7214,6 @@
   <p:clrMapOvr>
     <a:masterClrMapping/>
   </p:clrMapOvr>
-  <p:timing>
-    <p:tnLst>
-      <p:par>
-        <p:cTn xmlns:p14="http://schemas.microsoft.com/office/powerpoint/2010/main" id="1" dur="indefinite" restart="never" nodeType="tmRoot"/>
-      </p:par>
-    </p:tnLst>
-  </p:timing>
 </p:sld>
 </file>
 
@@ -7931,30 +7256,19 @@
           <a:p>
             <a:pPr algn="l"/>
             <a:r>
-              <a:rPr lang="en-US" dirty="0" err="1" smtClean="0">
+              <a:rPr lang="en-US" dirty="0" err="1">
                 <a:latin typeface="Comic Sans MS"/>
                 <a:cs typeface="Comic Sans MS"/>
               </a:rPr>
               <a:t>Opdracht</a:t>
             </a:r>
             <a:r>
-              <a:rPr lang="en-US" dirty="0" smtClean="0">
-                <a:latin typeface="Comic Sans MS"/>
-                <a:cs typeface="Comic Sans MS"/>
-              </a:rPr>
-              <a:t> </a:t>
-            </a:r>
-            <a:r>
-              <a:rPr lang="en-US" dirty="0" smtClean="0">
-                <a:latin typeface="Comic Sans MS"/>
-                <a:cs typeface="Comic Sans MS"/>
-              </a:rPr>
-              <a:t>2 </a:t>
-            </a:r>
-            <a:endParaRPr lang="en-US" dirty="0">
-              <a:latin typeface="Comic Sans MS"/>
-              <a:cs typeface="Comic Sans MS"/>
-            </a:endParaRPr>
+              <a:rPr lang="en-US" dirty="0">
+                <a:latin typeface="Comic Sans MS"/>
+                <a:cs typeface="Comic Sans MS"/>
+              </a:rPr>
+              <a:t> 2 </a:t>
+            </a:r>
           </a:p>
         </p:txBody>
       </p:sp>
@@ -8026,21 +7340,21 @@
           <a:lstStyle/>
           <a:p>
             <a:r>
-              <a:rPr lang="nl-NL" dirty="0" smtClean="0">
+              <a:rPr lang="nl-NL" dirty="0">
                 <a:latin typeface="Comic Sans MS"/>
                 <a:cs typeface="Comic Sans MS"/>
               </a:rPr>
               <a:t>Probeer nu zelf de bouwstenen te plaatsen zodat de </a:t>
             </a:r>
             <a:r>
-              <a:rPr lang="nl-NL" dirty="0" err="1" smtClean="0">
+              <a:rPr lang="nl-NL" dirty="0" err="1">
                 <a:latin typeface="Comic Sans MS"/>
                 <a:cs typeface="Comic Sans MS"/>
               </a:rPr>
               <a:t>sprite</a:t>
             </a:r>
             <a:r>
-              <a:rPr lang="nl-NL" dirty="0" smtClean="0">
+              <a:rPr lang="nl-NL" dirty="0">
                 <a:latin typeface="Comic Sans MS"/>
                 <a:cs typeface="Comic Sans MS"/>
               </a:rPr>
@@ -8059,7 +7373,7 @@
               <a:buChar char="•"/>
             </a:pPr>
             <a:r>
-              <a:rPr lang="nl-NL" dirty="0" smtClean="0">
+              <a:rPr lang="nl-NL" dirty="0">
                 <a:latin typeface="Comic Sans MS"/>
                 <a:cs typeface="Comic Sans MS"/>
               </a:rPr>
@@ -8081,7 +7395,7 @@
               <a:buFont typeface="Arial"/>
               <a:buChar char="•"/>
             </a:pPr>
-            <a:endParaRPr lang="nl-NL" dirty="0" smtClean="0">
+            <a:endParaRPr lang="nl-NL" dirty="0">
               <a:latin typeface="Comic Sans MS"/>
               <a:cs typeface="Comic Sans MS"/>
             </a:endParaRPr>
@@ -8101,7 +7415,7 @@
               <a:buFont typeface="Arial"/>
               <a:buChar char="•"/>
             </a:pPr>
-            <a:endParaRPr lang="nl-NL" dirty="0" smtClean="0">
+            <a:endParaRPr lang="nl-NL" dirty="0">
               <a:latin typeface="Comic Sans MS"/>
               <a:cs typeface="Comic Sans MS"/>
             </a:endParaRPr>
@@ -8121,7 +7435,7 @@
               <a:buFont typeface="Arial"/>
               <a:buChar char="•"/>
             </a:pPr>
-            <a:endParaRPr lang="nl-NL" dirty="0" smtClean="0">
+            <a:endParaRPr lang="nl-NL" dirty="0">
               <a:latin typeface="Comic Sans MS"/>
               <a:cs typeface="Comic Sans MS"/>
             </a:endParaRPr>
@@ -8141,7 +7455,7 @@
               <a:buFont typeface="Arial"/>
               <a:buChar char="•"/>
             </a:pPr>
-            <a:endParaRPr lang="nl-NL" dirty="0" smtClean="0">
+            <a:endParaRPr lang="nl-NL" dirty="0">
               <a:latin typeface="Comic Sans MS"/>
               <a:cs typeface="Comic Sans MS"/>
             </a:endParaRPr>
@@ -8161,7 +7475,7 @@
               <a:buFont typeface="Arial"/>
               <a:buChar char="•"/>
             </a:pPr>
-            <a:endParaRPr lang="nl-NL" dirty="0" smtClean="0">
+            <a:endParaRPr lang="nl-NL" dirty="0">
               <a:latin typeface="Comic Sans MS"/>
               <a:cs typeface="Comic Sans MS"/>
             </a:endParaRPr>
@@ -8188,47 +7502,68 @@
               <a:buChar char="•"/>
             </a:pPr>
             <a:r>
-              <a:rPr lang="nl-NL" dirty="0" smtClean="0">
+              <a:rPr lang="nl-NL" dirty="0">
                 <a:latin typeface="Comic Sans MS"/>
                 <a:cs typeface="Comic Sans MS"/>
               </a:rPr>
               <a:t>Op de volgende bladzijden staat de oplossing, maar probeer het eerst zelf.</a:t>
             </a:r>
-            <a:endParaRPr lang="nl-NL" dirty="0">
-              <a:latin typeface="Comic Sans MS"/>
-              <a:cs typeface="Comic Sans MS"/>
-            </a:endParaRPr>
+          </a:p>
+        </p:txBody>
+      </p:sp>
+      <p:sp>
+        <p:nvSpPr>
+          <p:cNvPr id="6" name="Content Placeholder 5">
+            <a:extLst>
+              <a:ext uri="{FF2B5EF4-FFF2-40B4-BE49-F238E27FC236}">
+                <a16:creationId xmlns:a16="http://schemas.microsoft.com/office/drawing/2014/main" id="{4ED5639F-D03F-6E43-BA63-25453854C444}"/>
+              </a:ext>
+            </a:extLst>
+          </p:cNvPr>
+          <p:cNvSpPr>
+            <a:spLocks noGrp="1"/>
+          </p:cNvSpPr>
+          <p:nvPr>
+            <p:ph idx="1"/>
+          </p:nvPr>
+        </p:nvSpPr>
+        <p:spPr/>
+        <p:txBody>
+          <a:bodyPr/>
+          <a:lstStyle/>
+          <a:p>
+            <a:endParaRPr lang="en-US"/>
           </a:p>
         </p:txBody>
       </p:sp>
       <p:pic>
         <p:nvPicPr>
-          <p:cNvPr id="8" name="Content Placeholder 7" descr="Screen Shot 2015-09-10 at 09.34.39.png"/>
+          <p:cNvPr id="9" name="Content Placeholder 9">
+            <a:extLst>
+              <a:ext uri="{FF2B5EF4-FFF2-40B4-BE49-F238E27FC236}">
+                <a16:creationId xmlns:a16="http://schemas.microsoft.com/office/drawing/2014/main" id="{51045BD4-EF0D-D945-B7EF-ECD2E30CF0E1}"/>
+              </a:ext>
+            </a:extLst>
+          </p:cNvPr>
           <p:cNvPicPr>
-            <a:picLocks noGrp="1" noChangeAspect="1"/>
+            <a:picLocks noChangeAspect="1"/>
           </p:cNvPicPr>
-          <p:nvPr>
-            <p:ph idx="1"/>
-          </p:nvPr>
+          <p:nvPr/>
         </p:nvPicPr>
         <p:blipFill>
-          <a:blip r:embed="rId2">
-            <a:extLst>
-              <a:ext uri="{28A0092B-C50C-407E-A947-70E740481C1C}">
-                <a14:useLocalDpi xmlns:a14="http://schemas.microsoft.com/office/drawing/2010/main" val="0"/>
-              </a:ext>
-            </a:extLst>
-          </a:blip>
-          <a:srcRect t="6673" b="6673"/>
+          <a:blip r:embed="rId2"/>
           <a:stretch>
             <a:fillRect/>
           </a:stretch>
         </p:blipFill>
         <p:spPr>
           <a:xfrm>
-            <a:off x="1798237" y="2433224"/>
-            <a:ext cx="5703230" cy="3136557"/>
-          </a:xfrm>
+            <a:off x="1922526" y="2476534"/>
+            <a:ext cx="4508878" cy="2794234"/>
+          </a:xfrm>
+          <a:prstGeom prst="rect">
+            <a:avLst/>
+          </a:prstGeom>
         </p:spPr>
       </p:pic>
     </p:spTree>
@@ -8241,13 +7576,6 @@
   <p:clrMapOvr>
     <a:masterClrMapping/>
   </p:clrMapOvr>
-  <p:timing>
-    <p:tnLst>
-      <p:par>
-        <p:cTn xmlns:p14="http://schemas.microsoft.com/office/powerpoint/2010/main" id="1" dur="indefinite" restart="never" nodeType="tmRoot"/>
-      </p:par>
-    </p:tnLst>
-  </p:timing>
 </p:sld>
 </file>
 
@@ -8290,30 +7618,19 @@
           <a:p>
             <a:pPr algn="l"/>
             <a:r>
-              <a:rPr lang="en-US" dirty="0" err="1" smtClean="0">
+              <a:rPr lang="en-US" dirty="0" err="1">
                 <a:latin typeface="Comic Sans MS"/>
                 <a:cs typeface="Comic Sans MS"/>
               </a:rPr>
               <a:t>Opdracht</a:t>
             </a:r>
             <a:r>
-              <a:rPr lang="en-US" dirty="0" smtClean="0">
-                <a:latin typeface="Comic Sans MS"/>
-                <a:cs typeface="Comic Sans MS"/>
-              </a:rPr>
-              <a:t> </a:t>
-            </a:r>
-            <a:r>
-              <a:rPr lang="en-US" dirty="0" smtClean="0">
-                <a:latin typeface="Comic Sans MS"/>
-                <a:cs typeface="Comic Sans MS"/>
-              </a:rPr>
-              <a:t>2 </a:t>
-            </a:r>
-            <a:endParaRPr lang="en-US" dirty="0">
-              <a:latin typeface="Comic Sans MS"/>
-              <a:cs typeface="Comic Sans MS"/>
-            </a:endParaRPr>
+              <a:rPr lang="en-US" dirty="0">
+                <a:latin typeface="Comic Sans MS"/>
+                <a:cs typeface="Comic Sans MS"/>
+              </a:rPr>
+              <a:t> 2 </a:t>
+            </a:r>
           </a:p>
         </p:txBody>
       </p:sp>
@@ -8385,14 +7702,14 @@
           <a:lstStyle/>
           <a:p>
             <a:r>
-              <a:rPr lang="nl-NL" dirty="0" smtClean="0">
+              <a:rPr lang="nl-NL" dirty="0">
                 <a:latin typeface="Comic Sans MS"/>
                 <a:cs typeface="Comic Sans MS"/>
               </a:rPr>
               <a:t>Klik op ‘</a:t>
             </a:r>
             <a:r>
-              <a:rPr lang="nl-NL" dirty="0" smtClean="0">
+              <a:rPr lang="nl-NL" dirty="0">
                 <a:solidFill>
                   <a:srgbClr val="BC711C"/>
                 </a:solidFill>
@@ -8402,7 +7719,7 @@
               <a:t>Gebeurtenissen</a:t>
             </a:r>
             <a:r>
-              <a:rPr lang="nl-NL" dirty="0" smtClean="0">
+              <a:rPr lang="nl-NL" dirty="0">
                 <a:latin typeface="Comic Sans MS"/>
                 <a:cs typeface="Comic Sans MS"/>
               </a:rPr>
@@ -8417,66 +7734,41 @@
           </a:p>
           <a:p>
             <a:r>
-              <a:rPr lang="nl-NL" dirty="0" smtClean="0">
+              <a:rPr lang="nl-NL" dirty="0">
                 <a:latin typeface="Comic Sans MS"/>
                 <a:cs typeface="Comic Sans MS"/>
               </a:rPr>
               <a:t>Sleep dan de bouwsteen ‘</a:t>
             </a:r>
             <a:r>
-              <a:rPr lang="nl-NL" dirty="0" smtClean="0">
+              <a:rPr lang="nl-NL" dirty="0">
                 <a:solidFill>
                   <a:srgbClr val="BC711C"/>
                 </a:solidFill>
                 <a:latin typeface="Comic Sans MS"/>
                 <a:cs typeface="Comic Sans MS"/>
               </a:rPr>
-              <a:t>wanneer </a:t>
-            </a:r>
-            <a:r>
-              <a:rPr lang="nl-NL" dirty="0" smtClean="0">
-                <a:solidFill>
-                  <a:srgbClr val="BC711C"/>
-                </a:solidFill>
-                <a:latin typeface="Comic Sans MS"/>
-                <a:cs typeface="Comic Sans MS"/>
-              </a:rPr>
-              <a:t>groene vlag </a:t>
-            </a:r>
-            <a:r>
-              <a:rPr lang="nl-NL" dirty="0" smtClean="0">
-                <a:solidFill>
-                  <a:srgbClr val="BC711C"/>
-                </a:solidFill>
-                <a:latin typeface="Comic Sans MS"/>
-                <a:cs typeface="Comic Sans MS"/>
-              </a:rPr>
-              <a:t>wordt aangeklikt</a:t>
-            </a:r>
-            <a:r>
-              <a:rPr lang="nl-NL" dirty="0" smtClean="0">
-                <a:latin typeface="Comic Sans MS"/>
-                <a:cs typeface="Comic Sans MS"/>
-              </a:rPr>
-              <a:t>’ </a:t>
-            </a:r>
-            <a:r>
-              <a:rPr lang="nl-NL" dirty="0" smtClean="0">
-                <a:latin typeface="Comic Sans MS"/>
-                <a:cs typeface="Comic Sans MS"/>
-              </a:rPr>
-              <a:t>naar het programma veld.</a:t>
-            </a:r>
-            <a:endParaRPr lang="nl-NL" dirty="0">
-              <a:latin typeface="Comic Sans MS"/>
-              <a:cs typeface="Comic Sans MS"/>
-            </a:endParaRPr>
+              <a:t>wanneer groene vlag wordt aangeklikt</a:t>
+            </a:r>
+            <a:r>
+              <a:rPr lang="nl-NL" dirty="0">
+                <a:latin typeface="Comic Sans MS"/>
+                <a:cs typeface="Comic Sans MS"/>
+              </a:rPr>
+              <a:t>’ naar het programma veld.</a:t>
+            </a:r>
           </a:p>
         </p:txBody>
       </p:sp>
       <p:pic>
         <p:nvPicPr>
-          <p:cNvPr id="8" name="Content Placeholder 7" descr="Screen Shot 2015-09-10 at 09.35.18.png"/>
+          <p:cNvPr id="14" name="Content Placeholder 13">
+            <a:extLst>
+              <a:ext uri="{FF2B5EF4-FFF2-40B4-BE49-F238E27FC236}">
+                <a16:creationId xmlns:a16="http://schemas.microsoft.com/office/drawing/2014/main" id="{21488667-8927-A445-B582-438455926FD0}"/>
+              </a:ext>
+            </a:extLst>
+          </p:cNvPr>
           <p:cNvPicPr>
             <a:picLocks noGrp="1" noChangeAspect="1"/>
           </p:cNvPicPr>
@@ -8484,21 +7776,16 @@
             <p:ph idx="1"/>
           </p:nvPr>
         </p:nvPicPr>
-        <p:blipFill rotWithShape="1">
-          <a:blip r:embed="rId2">
-            <a:extLst>
-              <a:ext uri="{28A0092B-C50C-407E-A947-70E740481C1C}">
-                <a14:useLocalDpi xmlns:a14="http://schemas.microsoft.com/office/drawing/2010/main" val="0"/>
-              </a:ext>
-            </a:extLst>
-          </a:blip>
-          <a:srcRect t="-1045" b="-869"/>
-          <a:stretch/>
+        <p:blipFill>
+          <a:blip r:embed="rId2"/>
+          <a:stretch>
+            <a:fillRect/>
+          </a:stretch>
         </p:blipFill>
         <p:spPr>
           <a:xfrm>
-            <a:off x="4195799" y="1693333"/>
-            <a:ext cx="4563544" cy="3350381"/>
+            <a:off x="3767328" y="1999443"/>
+            <a:ext cx="4681219" cy="2318031"/>
           </a:xfrm>
         </p:spPr>
       </p:pic>
@@ -8512,13 +7799,6 @@
   <p:clrMapOvr>
     <a:masterClrMapping/>
   </p:clrMapOvr>
-  <p:timing>
-    <p:tnLst>
-      <p:par>
-        <p:cTn xmlns:p14="http://schemas.microsoft.com/office/powerpoint/2010/main" id="1" dur="indefinite" restart="never" nodeType="tmRoot"/>
-      </p:par>
-    </p:tnLst>
-  </p:timing>
 </p:sld>
 </file>
 
